--- a/CNN의_활용_1_CIFAR10.pptx
+++ b/CNN의_활용_1_CIFAR10.pptx
@@ -5,7 +5,7 @@
     <p:sldMasterId id="2147483648" r:id="rId1"/>
   </p:sldMasterIdLst>
   <p:notesMasterIdLst>
-    <p:notesMasterId r:id="rId12"/>
+    <p:notesMasterId r:id="rId20"/>
   </p:notesMasterIdLst>
   <p:sldIdLst>
     <p:sldId id="256" r:id="rId2"/>
@@ -18,6 +18,14 @@
     <p:sldId id="270" r:id="rId9"/>
     <p:sldId id="269" r:id="rId10"/>
     <p:sldId id="279" r:id="rId11"/>
+    <p:sldId id="284" r:id="rId12"/>
+    <p:sldId id="292" r:id="rId13"/>
+    <p:sldId id="293" r:id="rId14"/>
+    <p:sldId id="285" r:id="rId15"/>
+    <p:sldId id="286" r:id="rId16"/>
+    <p:sldId id="288" r:id="rId17"/>
+    <p:sldId id="287" r:id="rId18"/>
+    <p:sldId id="294" r:id="rId19"/>
   </p:sldIdLst>
   <p:sldSz cx="12192000" cy="6858000"/>
   <p:notesSz cx="6858000" cy="9144000"/>
@@ -6994,6 +7002,2691 @@
 </p:sld>
 </file>
 
+<file path=ppt/slides/slide11.xml><?xml version="1.0" encoding="utf-8"?>
+<p:sld xmlns:a="http://schemas.openxmlformats.org/drawingml/2006/main" xmlns:r="http://schemas.openxmlformats.org/officeDocument/2006/relationships" xmlns:p="http://schemas.openxmlformats.org/presentationml/2006/main">
+  <p:cSld>
+    <p:spTree>
+      <p:nvGrpSpPr>
+        <p:cNvPr id="1" name=""/>
+        <p:cNvGrpSpPr/>
+        <p:nvPr/>
+      </p:nvGrpSpPr>
+      <p:grpSpPr>
+        <a:xfrm>
+          <a:off x="0" y="0"/>
+          <a:ext cx="0" cy="0"/>
+          <a:chOff x="0" y="0"/>
+          <a:chExt cx="0" cy="0"/>
+        </a:xfrm>
+      </p:grpSpPr>
+      <p:sp>
+        <p:nvSpPr>
+          <p:cNvPr id="2" name="제목 1">
+            <a:extLst>
+              <a:ext uri="{FF2B5EF4-FFF2-40B4-BE49-F238E27FC236}">
+                <a16:creationId xmlns:a16="http://schemas.microsoft.com/office/drawing/2014/main" id="{0DE82CDC-0992-11A4-61C1-A87BF9268E24}"/>
+              </a:ext>
+            </a:extLst>
+          </p:cNvPr>
+          <p:cNvSpPr>
+            <a:spLocks noGrp="1"/>
+          </p:cNvSpPr>
+          <p:nvPr>
+            <p:ph type="title"/>
+          </p:nvPr>
+        </p:nvSpPr>
+        <p:spPr/>
+        <p:txBody>
+          <a:bodyPr/>
+          <a:lstStyle/>
+          <a:p>
+            <a:r>
+              <a:rPr lang="en-US" altLang="ko-KR" dirty="0"/>
+              <a:t>Flattening</a:t>
+            </a:r>
+            <a:r>
+              <a:rPr lang="ko-KR" altLang="en-US" dirty="0"/>
+              <a:t>으로 문제가 발생 </a:t>
+            </a:r>
+          </a:p>
+        </p:txBody>
+      </p:sp>
+      <p:sp>
+        <p:nvSpPr>
+          <p:cNvPr id="34" name="텍스트 개체 틀 33">
+            <a:extLst>
+              <a:ext uri="{FF2B5EF4-FFF2-40B4-BE49-F238E27FC236}">
+                <a16:creationId xmlns:a16="http://schemas.microsoft.com/office/drawing/2014/main" id="{8653870D-0E6E-6E63-AD41-303FEB8A4BE7}"/>
+              </a:ext>
+            </a:extLst>
+          </p:cNvPr>
+          <p:cNvSpPr>
+            <a:spLocks noGrp="1"/>
+          </p:cNvSpPr>
+          <p:nvPr>
+            <p:ph type="body" idx="1"/>
+          </p:nvPr>
+        </p:nvSpPr>
+        <p:spPr>
+          <a:xfrm>
+            <a:off x="838200" y="1825625"/>
+            <a:ext cx="6077505" cy="4351338"/>
+          </a:xfrm>
+        </p:spPr>
+        <p:txBody>
+          <a:bodyPr/>
+          <a:lstStyle/>
+          <a:p>
+            <a:r>
+              <a:rPr lang="en-US" altLang="ko-KR" dirty="0"/>
+              <a:t>MNIST </a:t>
+            </a:r>
+            <a:r>
+              <a:rPr lang="ko-KR" altLang="en-US" dirty="0"/>
+              <a:t>데이터는 </a:t>
+            </a:r>
+            <a:r>
+              <a:rPr lang="en-US" altLang="ko-KR" dirty="0"/>
+              <a:t>flattening</a:t>
+            </a:r>
+            <a:r>
+              <a:rPr lang="ko-KR" altLang="en-US" dirty="0"/>
+              <a:t>을 해도 정보가 그리 깨지지 않는다</a:t>
+            </a:r>
+            <a:r>
+              <a:rPr lang="en-US" altLang="ko-KR" dirty="0"/>
+              <a:t>. </a:t>
+            </a:r>
+          </a:p>
+          <a:p>
+            <a:r>
+              <a:rPr lang="en-US" altLang="ko-KR" dirty="0"/>
+              <a:t>MNIST </a:t>
+            </a:r>
+            <a:r>
+              <a:rPr lang="ko-KR" altLang="en-US" dirty="0"/>
+              <a:t>데이터가 흑백 이미지이고</a:t>
+            </a:r>
+            <a:r>
+              <a:rPr lang="en-US" altLang="ko-KR" dirty="0"/>
+              <a:t>, </a:t>
+            </a:r>
+            <a:r>
+              <a:rPr lang="ko-KR" altLang="en-US" dirty="0"/>
+              <a:t>구조가 단순해서 일반 </a:t>
+            </a:r>
+            <a:r>
+              <a:rPr lang="en-US" altLang="ko-KR" dirty="0"/>
+              <a:t>NN(neural</a:t>
+            </a:r>
+            <a:r>
+              <a:rPr lang="ko-KR" altLang="en-US" dirty="0"/>
+              <a:t> </a:t>
+            </a:r>
+            <a:r>
+              <a:rPr lang="en-US" altLang="ko-KR" dirty="0"/>
+              <a:t>network)</a:t>
+            </a:r>
+            <a:r>
+              <a:rPr lang="ko-KR" altLang="en-US" dirty="0"/>
+              <a:t>를 사용해도 충분히 분류를 할 수 있음 </a:t>
+            </a:r>
+            <a:r>
+              <a:rPr lang="en-US" altLang="ko-KR" dirty="0"/>
+              <a:t> </a:t>
+            </a:r>
+            <a:endParaRPr lang="ko-KR" altLang="en-US" dirty="0"/>
+          </a:p>
+        </p:txBody>
+      </p:sp>
+      <p:pic>
+        <p:nvPicPr>
+          <p:cNvPr id="5" name="그림 4">
+            <a:extLst>
+              <a:ext uri="{FF2B5EF4-FFF2-40B4-BE49-F238E27FC236}">
+                <a16:creationId xmlns:a16="http://schemas.microsoft.com/office/drawing/2014/main" id="{DE6551AC-E9EF-EE9C-BE19-2B870E3F1EF4}"/>
+              </a:ext>
+            </a:extLst>
+          </p:cNvPr>
+          <p:cNvPicPr>
+            <a:picLocks noChangeAspect="1"/>
+          </p:cNvPicPr>
+          <p:nvPr/>
+        </p:nvPicPr>
+        <p:blipFill>
+          <a:blip r:embed="rId2"/>
+          <a:stretch>
+            <a:fillRect/>
+          </a:stretch>
+        </p:blipFill>
+        <p:spPr>
+          <a:xfrm>
+            <a:off x="7165696" y="2933657"/>
+            <a:ext cx="967824" cy="990686"/>
+          </a:xfrm>
+          <a:prstGeom prst="rect">
+            <a:avLst/>
+          </a:prstGeom>
+        </p:spPr>
+      </p:pic>
+      <p:pic>
+        <p:nvPicPr>
+          <p:cNvPr id="7" name="그림 6">
+            <a:extLst>
+              <a:ext uri="{FF2B5EF4-FFF2-40B4-BE49-F238E27FC236}">
+                <a16:creationId xmlns:a16="http://schemas.microsoft.com/office/drawing/2014/main" id="{D814F705-EFDB-DADF-91CB-24885A5D5FA6}"/>
+              </a:ext>
+            </a:extLst>
+          </p:cNvPr>
+          <p:cNvPicPr>
+            <a:picLocks noChangeAspect="1"/>
+          </p:cNvPicPr>
+          <p:nvPr/>
+        </p:nvPicPr>
+        <p:blipFill>
+          <a:blip r:embed="rId3"/>
+          <a:stretch>
+            <a:fillRect/>
+          </a:stretch>
+        </p:blipFill>
+        <p:spPr>
+          <a:xfrm rot="16200000">
+            <a:off x="8720908" y="1877433"/>
+            <a:ext cx="990686" cy="175275"/>
+          </a:xfrm>
+          <a:prstGeom prst="rect">
+            <a:avLst/>
+          </a:prstGeom>
+        </p:spPr>
+      </p:pic>
+      <p:pic>
+        <p:nvPicPr>
+          <p:cNvPr id="9" name="그림 8">
+            <a:extLst>
+              <a:ext uri="{FF2B5EF4-FFF2-40B4-BE49-F238E27FC236}">
+                <a16:creationId xmlns:a16="http://schemas.microsoft.com/office/drawing/2014/main" id="{3F42CA84-2FE7-7A2F-F286-A24459C080E9}"/>
+              </a:ext>
+            </a:extLst>
+          </p:cNvPr>
+          <p:cNvPicPr>
+            <a:picLocks noChangeAspect="1"/>
+          </p:cNvPicPr>
+          <p:nvPr/>
+        </p:nvPicPr>
+        <p:blipFill>
+          <a:blip r:embed="rId4"/>
+          <a:stretch>
+            <a:fillRect/>
+          </a:stretch>
+        </p:blipFill>
+        <p:spPr>
+          <a:xfrm rot="5400000">
+            <a:off x="8756055" y="2945699"/>
+            <a:ext cx="967824" cy="198137"/>
+          </a:xfrm>
+          <a:prstGeom prst="rect">
+            <a:avLst/>
+          </a:prstGeom>
+        </p:spPr>
+      </p:pic>
+      <p:pic>
+        <p:nvPicPr>
+          <p:cNvPr id="11" name="그림 10">
+            <a:extLst>
+              <a:ext uri="{FF2B5EF4-FFF2-40B4-BE49-F238E27FC236}">
+                <a16:creationId xmlns:a16="http://schemas.microsoft.com/office/drawing/2014/main" id="{4DF58668-C550-41CC-1D6E-BD11845E0CBA}"/>
+              </a:ext>
+            </a:extLst>
+          </p:cNvPr>
+          <p:cNvPicPr>
+            <a:picLocks noChangeAspect="1"/>
+          </p:cNvPicPr>
+          <p:nvPr/>
+        </p:nvPicPr>
+        <p:blipFill>
+          <a:blip r:embed="rId5"/>
+          <a:stretch>
+            <a:fillRect/>
+          </a:stretch>
+        </p:blipFill>
+        <p:spPr>
+          <a:xfrm rot="16200000">
+            <a:off x="8785198" y="4017775"/>
+            <a:ext cx="952583" cy="175275"/>
+          </a:xfrm>
+          <a:prstGeom prst="rect">
+            <a:avLst/>
+          </a:prstGeom>
+        </p:spPr>
+      </p:pic>
+      <p:pic>
+        <p:nvPicPr>
+          <p:cNvPr id="13" name="그림 12">
+            <a:extLst>
+              <a:ext uri="{FF2B5EF4-FFF2-40B4-BE49-F238E27FC236}">
+                <a16:creationId xmlns:a16="http://schemas.microsoft.com/office/drawing/2014/main" id="{A4D75D46-E643-45FC-95E5-6501EB4AF859}"/>
+              </a:ext>
+            </a:extLst>
+          </p:cNvPr>
+          <p:cNvPicPr>
+            <a:picLocks noChangeAspect="1"/>
+          </p:cNvPicPr>
+          <p:nvPr/>
+        </p:nvPicPr>
+        <p:blipFill>
+          <a:blip r:embed="rId6"/>
+          <a:stretch>
+            <a:fillRect/>
+          </a:stretch>
+        </p:blipFill>
+        <p:spPr>
+          <a:xfrm rot="16200000">
+            <a:off x="8777577" y="5105304"/>
+            <a:ext cx="967824" cy="198137"/>
+          </a:xfrm>
+          <a:prstGeom prst="rect">
+            <a:avLst/>
+          </a:prstGeom>
+        </p:spPr>
+      </p:pic>
+      <p:pic>
+        <p:nvPicPr>
+          <p:cNvPr id="15" name="그림 14">
+            <a:extLst>
+              <a:ext uri="{FF2B5EF4-FFF2-40B4-BE49-F238E27FC236}">
+                <a16:creationId xmlns:a16="http://schemas.microsoft.com/office/drawing/2014/main" id="{6CABDF0F-E041-A36D-C9A3-A7156A2A48F8}"/>
+              </a:ext>
+            </a:extLst>
+          </p:cNvPr>
+          <p:cNvPicPr>
+            <a:picLocks noChangeAspect="1"/>
+          </p:cNvPicPr>
+          <p:nvPr/>
+        </p:nvPicPr>
+        <p:blipFill>
+          <a:blip r:embed="rId7"/>
+          <a:stretch>
+            <a:fillRect/>
+          </a:stretch>
+        </p:blipFill>
+        <p:spPr>
+          <a:xfrm rot="5400000">
+            <a:off x="8777577" y="6177379"/>
+            <a:ext cx="975445" cy="167655"/>
+          </a:xfrm>
+          <a:prstGeom prst="rect">
+            <a:avLst/>
+          </a:prstGeom>
+        </p:spPr>
+      </p:pic>
+      <p:sp>
+        <p:nvSpPr>
+          <p:cNvPr id="16" name="사각형: 잘린 위쪽 모서리 15">
+            <a:extLst>
+              <a:ext uri="{FF2B5EF4-FFF2-40B4-BE49-F238E27FC236}">
+                <a16:creationId xmlns:a16="http://schemas.microsoft.com/office/drawing/2014/main" id="{E1551B56-5596-3FEE-4221-B7BA3DB1C5C8}"/>
+              </a:ext>
+            </a:extLst>
+          </p:cNvPr>
+          <p:cNvSpPr/>
+          <p:nvPr/>
+        </p:nvSpPr>
+        <p:spPr>
+          <a:xfrm rot="5400000">
+            <a:off x="9444937" y="3490710"/>
+            <a:ext cx="2290714" cy="867266"/>
+          </a:xfrm>
+          <a:prstGeom prst="snip2SameRect">
+            <a:avLst>
+              <a:gd name="adj1" fmla="val 50000"/>
+              <a:gd name="adj2" fmla="val 0"/>
+            </a:avLst>
+          </a:prstGeom>
+        </p:spPr>
+        <p:style>
+          <a:lnRef idx="2">
+            <a:schemeClr val="accent1">
+              <a:shade val="50000"/>
+            </a:schemeClr>
+          </a:lnRef>
+          <a:fillRef idx="1">
+            <a:schemeClr val="accent1"/>
+          </a:fillRef>
+          <a:effectRef idx="0">
+            <a:schemeClr val="accent1"/>
+          </a:effectRef>
+          <a:fontRef idx="minor">
+            <a:schemeClr val="lt1"/>
+          </a:fontRef>
+        </p:style>
+        <p:txBody>
+          <a:bodyPr rtlCol="0" anchor="ctr"/>
+          <a:lstStyle/>
+          <a:p>
+            <a:pPr algn="ctr"/>
+            <a:endParaRPr lang="ko-KR" altLang="en-US"/>
+          </a:p>
+        </p:txBody>
+      </p:sp>
+      <p:cxnSp>
+        <p:nvCxnSpPr>
+          <p:cNvPr id="18" name="직선 화살표 연결선 17">
+            <a:extLst>
+              <a:ext uri="{FF2B5EF4-FFF2-40B4-BE49-F238E27FC236}">
+                <a16:creationId xmlns:a16="http://schemas.microsoft.com/office/drawing/2014/main" id="{193159B0-383F-7E4D-466E-D7A98250EAA1}"/>
+              </a:ext>
+            </a:extLst>
+          </p:cNvPr>
+          <p:cNvCxnSpPr>
+            <a:stCxn id="7" idx="2"/>
+          </p:cNvCxnSpPr>
+          <p:nvPr/>
+        </p:nvCxnSpPr>
+        <p:spPr>
+          <a:xfrm>
+            <a:off x="9303889" y="1965071"/>
+            <a:ext cx="772282" cy="1257523"/>
+          </a:xfrm>
+          <a:prstGeom prst="straightConnector1">
+            <a:avLst/>
+          </a:prstGeom>
+          <a:ln>
+            <a:tailEnd type="triangle"/>
+          </a:ln>
+        </p:spPr>
+        <p:style>
+          <a:lnRef idx="1">
+            <a:schemeClr val="accent1"/>
+          </a:lnRef>
+          <a:fillRef idx="0">
+            <a:schemeClr val="accent1"/>
+          </a:fillRef>
+          <a:effectRef idx="0">
+            <a:schemeClr val="accent1"/>
+          </a:effectRef>
+          <a:fontRef idx="minor">
+            <a:schemeClr val="tx1"/>
+          </a:fontRef>
+        </p:style>
+      </p:cxnSp>
+      <p:cxnSp>
+        <p:nvCxnSpPr>
+          <p:cNvPr id="20" name="직선 화살표 연결선 19">
+            <a:extLst>
+              <a:ext uri="{FF2B5EF4-FFF2-40B4-BE49-F238E27FC236}">
+                <a16:creationId xmlns:a16="http://schemas.microsoft.com/office/drawing/2014/main" id="{7666DF99-5EEE-212F-9CAE-78652962F099}"/>
+              </a:ext>
+            </a:extLst>
+          </p:cNvPr>
+          <p:cNvCxnSpPr>
+            <a:stCxn id="9" idx="0"/>
+          </p:cNvCxnSpPr>
+          <p:nvPr/>
+        </p:nvCxnSpPr>
+        <p:spPr>
+          <a:xfrm>
+            <a:off x="9339036" y="3044768"/>
+            <a:ext cx="760956" cy="763752"/>
+          </a:xfrm>
+          <a:prstGeom prst="straightConnector1">
+            <a:avLst/>
+          </a:prstGeom>
+          <a:ln>
+            <a:tailEnd type="triangle"/>
+          </a:ln>
+        </p:spPr>
+        <p:style>
+          <a:lnRef idx="1">
+            <a:schemeClr val="accent1"/>
+          </a:lnRef>
+          <a:fillRef idx="0">
+            <a:schemeClr val="accent1"/>
+          </a:fillRef>
+          <a:effectRef idx="0">
+            <a:schemeClr val="accent1"/>
+          </a:effectRef>
+          <a:fontRef idx="minor">
+            <a:schemeClr val="tx1"/>
+          </a:fontRef>
+        </p:style>
+      </p:cxnSp>
+      <p:cxnSp>
+        <p:nvCxnSpPr>
+          <p:cNvPr id="22" name="직선 화살표 연결선 21">
+            <a:extLst>
+              <a:ext uri="{FF2B5EF4-FFF2-40B4-BE49-F238E27FC236}">
+                <a16:creationId xmlns:a16="http://schemas.microsoft.com/office/drawing/2014/main" id="{4F31D143-FAFE-5A6D-2126-0DDED5D1017B}"/>
+              </a:ext>
+            </a:extLst>
+          </p:cNvPr>
+          <p:cNvCxnSpPr/>
+          <p:nvPr/>
+        </p:nvCxnSpPr>
+        <p:spPr>
+          <a:xfrm>
+            <a:off x="9436979" y="4105412"/>
+            <a:ext cx="639192" cy="0"/>
+          </a:xfrm>
+          <a:prstGeom prst="straightConnector1">
+            <a:avLst/>
+          </a:prstGeom>
+          <a:ln>
+            <a:tailEnd type="triangle"/>
+          </a:ln>
+        </p:spPr>
+        <p:style>
+          <a:lnRef idx="1">
+            <a:schemeClr val="accent1"/>
+          </a:lnRef>
+          <a:fillRef idx="0">
+            <a:schemeClr val="accent1"/>
+          </a:fillRef>
+          <a:effectRef idx="0">
+            <a:schemeClr val="accent1"/>
+          </a:effectRef>
+          <a:fontRef idx="minor">
+            <a:schemeClr val="tx1"/>
+          </a:fontRef>
+        </p:style>
+      </p:cxnSp>
+      <p:cxnSp>
+        <p:nvCxnSpPr>
+          <p:cNvPr id="24" name="직선 화살표 연결선 23">
+            <a:extLst>
+              <a:ext uri="{FF2B5EF4-FFF2-40B4-BE49-F238E27FC236}">
+                <a16:creationId xmlns:a16="http://schemas.microsoft.com/office/drawing/2014/main" id="{9FE19D11-4CD8-2449-BB23-9F083A2F7F1B}"/>
+              </a:ext>
+            </a:extLst>
+          </p:cNvPr>
+          <p:cNvCxnSpPr>
+            <a:cxnSpLocks/>
+          </p:cNvCxnSpPr>
+          <p:nvPr/>
+        </p:nvCxnSpPr>
+        <p:spPr>
+          <a:xfrm flipV="1">
+            <a:off x="9417227" y="4518734"/>
+            <a:ext cx="658944" cy="817902"/>
+          </a:xfrm>
+          <a:prstGeom prst="straightConnector1">
+            <a:avLst/>
+          </a:prstGeom>
+          <a:ln>
+            <a:tailEnd type="triangle"/>
+          </a:ln>
+        </p:spPr>
+        <p:style>
+          <a:lnRef idx="1">
+            <a:schemeClr val="accent1"/>
+          </a:lnRef>
+          <a:fillRef idx="0">
+            <a:schemeClr val="accent1"/>
+          </a:fillRef>
+          <a:effectRef idx="0">
+            <a:schemeClr val="accent1"/>
+          </a:effectRef>
+          <a:fontRef idx="minor">
+            <a:schemeClr val="tx1"/>
+          </a:fontRef>
+        </p:style>
+      </p:cxnSp>
+      <p:cxnSp>
+        <p:nvCxnSpPr>
+          <p:cNvPr id="26" name="직선 화살표 연결선 25">
+            <a:extLst>
+              <a:ext uri="{FF2B5EF4-FFF2-40B4-BE49-F238E27FC236}">
+                <a16:creationId xmlns:a16="http://schemas.microsoft.com/office/drawing/2014/main" id="{F3D77AAF-DB85-3333-F5B3-3084121E2D49}"/>
+              </a:ext>
+            </a:extLst>
+          </p:cNvPr>
+          <p:cNvCxnSpPr/>
+          <p:nvPr/>
+        </p:nvCxnSpPr>
+        <p:spPr>
+          <a:xfrm flipV="1">
+            <a:off x="9436979" y="4888217"/>
+            <a:ext cx="663013" cy="1272886"/>
+          </a:xfrm>
+          <a:prstGeom prst="straightConnector1">
+            <a:avLst/>
+          </a:prstGeom>
+          <a:ln>
+            <a:tailEnd type="triangle"/>
+          </a:ln>
+        </p:spPr>
+        <p:style>
+          <a:lnRef idx="1">
+            <a:schemeClr val="accent1"/>
+          </a:lnRef>
+          <a:fillRef idx="0">
+            <a:schemeClr val="accent1"/>
+          </a:fillRef>
+          <a:effectRef idx="0">
+            <a:schemeClr val="accent1"/>
+          </a:effectRef>
+          <a:fontRef idx="minor">
+            <a:schemeClr val="tx1"/>
+          </a:fontRef>
+        </p:style>
+      </p:cxnSp>
+      <p:cxnSp>
+        <p:nvCxnSpPr>
+          <p:cNvPr id="28" name="직선 화살표 연결선 27">
+            <a:extLst>
+              <a:ext uri="{FF2B5EF4-FFF2-40B4-BE49-F238E27FC236}">
+                <a16:creationId xmlns:a16="http://schemas.microsoft.com/office/drawing/2014/main" id="{A92C1829-B5CC-E09B-A621-4809B4A63F39}"/>
+              </a:ext>
+            </a:extLst>
+          </p:cNvPr>
+          <p:cNvCxnSpPr>
+            <a:cxnSpLocks/>
+          </p:cNvCxnSpPr>
+          <p:nvPr/>
+        </p:nvCxnSpPr>
+        <p:spPr>
+          <a:xfrm flipV="1">
+            <a:off x="8133520" y="1553592"/>
+            <a:ext cx="930597" cy="1380065"/>
+          </a:xfrm>
+          <a:prstGeom prst="straightConnector1">
+            <a:avLst/>
+          </a:prstGeom>
+          <a:ln>
+            <a:tailEnd type="triangle"/>
+          </a:ln>
+        </p:spPr>
+        <p:style>
+          <a:lnRef idx="1">
+            <a:schemeClr val="accent1"/>
+          </a:lnRef>
+          <a:fillRef idx="0">
+            <a:schemeClr val="accent1"/>
+          </a:fillRef>
+          <a:effectRef idx="0">
+            <a:schemeClr val="accent1"/>
+          </a:effectRef>
+          <a:fontRef idx="minor">
+            <a:schemeClr val="tx1"/>
+          </a:fontRef>
+        </p:style>
+      </p:cxnSp>
+      <p:cxnSp>
+        <p:nvCxnSpPr>
+          <p:cNvPr id="30" name="직선 화살표 연결선 29">
+            <a:extLst>
+              <a:ext uri="{FF2B5EF4-FFF2-40B4-BE49-F238E27FC236}">
+                <a16:creationId xmlns:a16="http://schemas.microsoft.com/office/drawing/2014/main" id="{BC8F9AD5-22C0-0B39-8DD4-4B66C9D99117}"/>
+              </a:ext>
+            </a:extLst>
+          </p:cNvPr>
+          <p:cNvCxnSpPr/>
+          <p:nvPr/>
+        </p:nvCxnSpPr>
+        <p:spPr>
+          <a:xfrm>
+            <a:off x="8133520" y="3924343"/>
+            <a:ext cx="1007378" cy="2824586"/>
+          </a:xfrm>
+          <a:prstGeom prst="straightConnector1">
+            <a:avLst/>
+          </a:prstGeom>
+          <a:ln>
+            <a:tailEnd type="triangle"/>
+          </a:ln>
+        </p:spPr>
+        <p:style>
+          <a:lnRef idx="1">
+            <a:schemeClr val="accent1"/>
+          </a:lnRef>
+          <a:fillRef idx="0">
+            <a:schemeClr val="accent1"/>
+          </a:fillRef>
+          <a:effectRef idx="0">
+            <a:schemeClr val="accent1"/>
+          </a:effectRef>
+          <a:fontRef idx="minor">
+            <a:schemeClr val="tx1"/>
+          </a:fontRef>
+        </p:style>
+      </p:cxnSp>
+      <p:cxnSp>
+        <p:nvCxnSpPr>
+          <p:cNvPr id="36" name="직선 화살표 연결선 35">
+            <a:extLst>
+              <a:ext uri="{FF2B5EF4-FFF2-40B4-BE49-F238E27FC236}">
+                <a16:creationId xmlns:a16="http://schemas.microsoft.com/office/drawing/2014/main" id="{3ED890D3-616D-881D-2D17-334D44E51F85}"/>
+              </a:ext>
+            </a:extLst>
+          </p:cNvPr>
+          <p:cNvCxnSpPr/>
+          <p:nvPr/>
+        </p:nvCxnSpPr>
+        <p:spPr>
+          <a:xfrm>
+            <a:off x="11203619" y="3932808"/>
+            <a:ext cx="292964" cy="0"/>
+          </a:xfrm>
+          <a:prstGeom prst="straightConnector1">
+            <a:avLst/>
+          </a:prstGeom>
+          <a:ln>
+            <a:tailEnd type="triangle"/>
+          </a:ln>
+        </p:spPr>
+        <p:style>
+          <a:lnRef idx="1">
+            <a:schemeClr val="accent1"/>
+          </a:lnRef>
+          <a:fillRef idx="0">
+            <a:schemeClr val="accent1"/>
+          </a:fillRef>
+          <a:effectRef idx="0">
+            <a:schemeClr val="accent1"/>
+          </a:effectRef>
+          <a:fontRef idx="minor">
+            <a:schemeClr val="tx1"/>
+          </a:fontRef>
+        </p:style>
+      </p:cxnSp>
+      <p:sp>
+        <p:nvSpPr>
+          <p:cNvPr id="37" name="TextBox 36">
+            <a:extLst>
+              <a:ext uri="{FF2B5EF4-FFF2-40B4-BE49-F238E27FC236}">
+                <a16:creationId xmlns:a16="http://schemas.microsoft.com/office/drawing/2014/main" id="{13A04CE8-A061-A488-1171-ED909CE102E3}"/>
+              </a:ext>
+            </a:extLst>
+          </p:cNvPr>
+          <p:cNvSpPr txBox="1"/>
+          <p:nvPr/>
+        </p:nvSpPr>
+        <p:spPr>
+          <a:xfrm>
+            <a:off x="11496583" y="3570400"/>
+            <a:ext cx="470000" cy="707886"/>
+          </a:xfrm>
+          <a:prstGeom prst="rect">
+            <a:avLst/>
+          </a:prstGeom>
+          <a:noFill/>
+        </p:spPr>
+        <p:txBody>
+          <a:bodyPr wrap="none" rtlCol="0">
+            <a:spAutoFit/>
+          </a:bodyPr>
+          <a:lstStyle/>
+          <a:p>
+            <a:r>
+              <a:rPr lang="en-US" altLang="ko-KR" sz="4000" dirty="0"/>
+              <a:t>1</a:t>
+            </a:r>
+            <a:endParaRPr lang="ko-KR" altLang="en-US" sz="4000" dirty="0"/>
+          </a:p>
+        </p:txBody>
+      </p:sp>
+    </p:spTree>
+    <p:extLst>
+      <p:ext uri="{BB962C8B-B14F-4D97-AF65-F5344CB8AC3E}">
+        <p14:creationId xmlns:p14="http://schemas.microsoft.com/office/powerpoint/2010/main" val="3369480789"/>
+      </p:ext>
+    </p:extLst>
+  </p:cSld>
+  <p:clrMapOvr>
+    <a:masterClrMapping/>
+  </p:clrMapOvr>
+</p:sld>
+</file>
+
+<file path=ppt/slides/slide12.xml><?xml version="1.0" encoding="utf-8"?>
+<p:sld xmlns:a="http://schemas.openxmlformats.org/drawingml/2006/main" xmlns:r="http://schemas.openxmlformats.org/officeDocument/2006/relationships" xmlns:p="http://schemas.openxmlformats.org/presentationml/2006/main">
+  <p:cSld>
+    <p:spTree>
+      <p:nvGrpSpPr>
+        <p:cNvPr id="1" name=""/>
+        <p:cNvGrpSpPr/>
+        <p:nvPr/>
+      </p:nvGrpSpPr>
+      <p:grpSpPr>
+        <a:xfrm>
+          <a:off x="0" y="0"/>
+          <a:ext cx="0" cy="0"/>
+          <a:chOff x="0" y="0"/>
+          <a:chExt cx="0" cy="0"/>
+        </a:xfrm>
+      </p:grpSpPr>
+      <p:sp>
+        <p:nvSpPr>
+          <p:cNvPr id="2" name="제목 1">
+            <a:extLst>
+              <a:ext uri="{FF2B5EF4-FFF2-40B4-BE49-F238E27FC236}">
+                <a16:creationId xmlns:a16="http://schemas.microsoft.com/office/drawing/2014/main" id="{B94B7D90-C100-A4AF-030A-0AD2C38F98F6}"/>
+              </a:ext>
+            </a:extLst>
+          </p:cNvPr>
+          <p:cNvSpPr>
+            <a:spLocks noGrp="1"/>
+          </p:cNvSpPr>
+          <p:nvPr>
+            <p:ph type="title"/>
+          </p:nvPr>
+        </p:nvSpPr>
+        <p:spPr/>
+        <p:txBody>
+          <a:bodyPr/>
+          <a:lstStyle/>
+          <a:p>
+            <a:r>
+              <a:rPr lang="en-US" altLang="ko-KR" dirty="0"/>
+              <a:t>CIFAR10 </a:t>
+            </a:r>
+            <a:r>
+              <a:rPr lang="ko-KR" altLang="en-US" dirty="0"/>
+              <a:t>데이터셋의 문제점 </a:t>
+            </a:r>
+          </a:p>
+        </p:txBody>
+      </p:sp>
+      <p:sp>
+        <p:nvSpPr>
+          <p:cNvPr id="3" name="텍스트 개체 틀 2">
+            <a:extLst>
+              <a:ext uri="{FF2B5EF4-FFF2-40B4-BE49-F238E27FC236}">
+                <a16:creationId xmlns:a16="http://schemas.microsoft.com/office/drawing/2014/main" id="{22B62241-4703-50D9-8861-D9332056A3A3}"/>
+              </a:ext>
+            </a:extLst>
+          </p:cNvPr>
+          <p:cNvSpPr>
+            <a:spLocks noGrp="1"/>
+          </p:cNvSpPr>
+          <p:nvPr>
+            <p:ph type="body" idx="1"/>
+          </p:nvPr>
+        </p:nvSpPr>
+        <p:spPr>
+          <a:xfrm>
+            <a:off x="838200" y="1825625"/>
+            <a:ext cx="5766786" cy="4351338"/>
+          </a:xfrm>
+        </p:spPr>
+        <p:txBody>
+          <a:bodyPr/>
+          <a:lstStyle/>
+          <a:p>
+            <a:r>
+              <a:rPr lang="en-US" altLang="ko-KR" dirty="0"/>
+              <a:t>RGB</a:t>
+            </a:r>
+            <a:r>
+              <a:rPr lang="ko-KR" altLang="en-US" dirty="0"/>
+              <a:t>컬러 이미지로 되어 있는 </a:t>
+            </a:r>
+            <a:r>
+              <a:rPr lang="en-US" altLang="ko-KR" dirty="0"/>
+              <a:t>CIFAR10 </a:t>
+            </a:r>
+            <a:r>
+              <a:rPr lang="ko-KR" altLang="en-US" dirty="0"/>
+              <a:t>데이터를 </a:t>
+            </a:r>
+            <a:r>
+              <a:rPr lang="en-US" altLang="ko-KR" dirty="0"/>
+              <a:t>flattening</a:t>
+            </a:r>
+            <a:r>
+              <a:rPr lang="ko-KR" altLang="en-US" dirty="0"/>
+              <a:t>하면 데이터 정보를</a:t>
+            </a:r>
+            <a:r>
+              <a:rPr lang="en-US" altLang="ko-KR" dirty="0"/>
+              <a:t> </a:t>
+            </a:r>
+            <a:r>
+              <a:rPr lang="ko-KR" altLang="en-US" dirty="0"/>
+              <a:t>상실한다</a:t>
+            </a:r>
+            <a:r>
+              <a:rPr lang="en-US" altLang="ko-KR" dirty="0"/>
+              <a:t>. </a:t>
+            </a:r>
+          </a:p>
+          <a:p>
+            <a:r>
+              <a:rPr lang="ko-KR" altLang="en-US" dirty="0"/>
+              <a:t>트레이닝에 사용된 이미지와 색상과 위치가 비슷하지 않으면 분류를 잘 수행하지 못한다</a:t>
+            </a:r>
+            <a:r>
+              <a:rPr lang="en-US" altLang="ko-KR" dirty="0"/>
+              <a:t>. </a:t>
+            </a:r>
+            <a:endParaRPr lang="ko-KR" altLang="en-US" dirty="0"/>
+          </a:p>
+        </p:txBody>
+      </p:sp>
+      <p:pic>
+        <p:nvPicPr>
+          <p:cNvPr id="5" name="그림 4">
+            <a:extLst>
+              <a:ext uri="{FF2B5EF4-FFF2-40B4-BE49-F238E27FC236}">
+                <a16:creationId xmlns:a16="http://schemas.microsoft.com/office/drawing/2014/main" id="{B5484C40-3D5C-DF95-F290-39E7574E4BCD}"/>
+              </a:ext>
+            </a:extLst>
+          </p:cNvPr>
+          <p:cNvPicPr>
+            <a:picLocks noChangeAspect="1"/>
+          </p:cNvPicPr>
+          <p:nvPr/>
+        </p:nvPicPr>
+        <p:blipFill>
+          <a:blip r:embed="rId2"/>
+          <a:stretch>
+            <a:fillRect/>
+          </a:stretch>
+        </p:blipFill>
+        <p:spPr>
+          <a:xfrm>
+            <a:off x="6744946" y="3180935"/>
+            <a:ext cx="1028789" cy="1028789"/>
+          </a:xfrm>
+          <a:prstGeom prst="rect">
+            <a:avLst/>
+          </a:prstGeom>
+        </p:spPr>
+      </p:pic>
+      <p:pic>
+        <p:nvPicPr>
+          <p:cNvPr id="7" name="그림 6">
+            <a:extLst>
+              <a:ext uri="{FF2B5EF4-FFF2-40B4-BE49-F238E27FC236}">
+                <a16:creationId xmlns:a16="http://schemas.microsoft.com/office/drawing/2014/main" id="{231A183E-B5C4-C8E2-1D32-3698BB9ABA55}"/>
+              </a:ext>
+            </a:extLst>
+          </p:cNvPr>
+          <p:cNvPicPr>
+            <a:picLocks noChangeAspect="1"/>
+          </p:cNvPicPr>
+          <p:nvPr/>
+        </p:nvPicPr>
+        <p:blipFill>
+          <a:blip r:embed="rId3"/>
+          <a:stretch>
+            <a:fillRect/>
+          </a:stretch>
+        </p:blipFill>
+        <p:spPr>
+          <a:xfrm rot="5400000">
+            <a:off x="8502722" y="819786"/>
+            <a:ext cx="1005927" cy="167655"/>
+          </a:xfrm>
+          <a:prstGeom prst="rect">
+            <a:avLst/>
+          </a:prstGeom>
+        </p:spPr>
+      </p:pic>
+      <p:pic>
+        <p:nvPicPr>
+          <p:cNvPr id="9" name="그림 8">
+            <a:extLst>
+              <a:ext uri="{FF2B5EF4-FFF2-40B4-BE49-F238E27FC236}">
+                <a16:creationId xmlns:a16="http://schemas.microsoft.com/office/drawing/2014/main" id="{9CA8E176-C5CD-5196-B818-D6705FE95407}"/>
+              </a:ext>
+            </a:extLst>
+          </p:cNvPr>
+          <p:cNvPicPr>
+            <a:picLocks noChangeAspect="1"/>
+          </p:cNvPicPr>
+          <p:nvPr/>
+        </p:nvPicPr>
+        <p:blipFill>
+          <a:blip r:embed="rId4"/>
+          <a:stretch>
+            <a:fillRect/>
+          </a:stretch>
+        </p:blipFill>
+        <p:spPr>
+          <a:xfrm rot="5400000">
+            <a:off x="8502722" y="1854608"/>
+            <a:ext cx="1005927" cy="167655"/>
+          </a:xfrm>
+          <a:prstGeom prst="rect">
+            <a:avLst/>
+          </a:prstGeom>
+        </p:spPr>
+      </p:pic>
+      <p:pic>
+        <p:nvPicPr>
+          <p:cNvPr id="11" name="그림 10">
+            <a:extLst>
+              <a:ext uri="{FF2B5EF4-FFF2-40B4-BE49-F238E27FC236}">
+                <a16:creationId xmlns:a16="http://schemas.microsoft.com/office/drawing/2014/main" id="{8D3D9936-174C-5E98-970C-6C5457817BA8}"/>
+              </a:ext>
+            </a:extLst>
+          </p:cNvPr>
+          <p:cNvPicPr>
+            <a:picLocks noChangeAspect="1"/>
+          </p:cNvPicPr>
+          <p:nvPr/>
+        </p:nvPicPr>
+        <p:blipFill>
+          <a:blip r:embed="rId5"/>
+          <a:stretch>
+            <a:fillRect/>
+          </a:stretch>
+        </p:blipFill>
+        <p:spPr>
+          <a:xfrm rot="5400000">
+            <a:off x="8510343" y="2907764"/>
+            <a:ext cx="1013548" cy="167655"/>
+          </a:xfrm>
+          <a:prstGeom prst="rect">
+            <a:avLst/>
+          </a:prstGeom>
+        </p:spPr>
+      </p:pic>
+      <p:pic>
+        <p:nvPicPr>
+          <p:cNvPr id="13" name="그림 12">
+            <a:extLst>
+              <a:ext uri="{FF2B5EF4-FFF2-40B4-BE49-F238E27FC236}">
+                <a16:creationId xmlns:a16="http://schemas.microsoft.com/office/drawing/2014/main" id="{CDB99F4B-C262-DD96-36E8-18CB6EA03940}"/>
+              </a:ext>
+            </a:extLst>
+          </p:cNvPr>
+          <p:cNvPicPr>
+            <a:picLocks noChangeAspect="1"/>
+          </p:cNvPicPr>
+          <p:nvPr/>
+        </p:nvPicPr>
+        <p:blipFill>
+          <a:blip r:embed="rId6"/>
+          <a:stretch>
+            <a:fillRect/>
+          </a:stretch>
+        </p:blipFill>
+        <p:spPr>
+          <a:xfrm rot="5400000">
+            <a:off x="8491292" y="3963650"/>
+            <a:ext cx="1051651" cy="167655"/>
+          </a:xfrm>
+          <a:prstGeom prst="rect">
+            <a:avLst/>
+          </a:prstGeom>
+        </p:spPr>
+      </p:pic>
+      <p:pic>
+        <p:nvPicPr>
+          <p:cNvPr id="15" name="그림 14">
+            <a:extLst>
+              <a:ext uri="{FF2B5EF4-FFF2-40B4-BE49-F238E27FC236}">
+                <a16:creationId xmlns:a16="http://schemas.microsoft.com/office/drawing/2014/main" id="{3713BD2A-9497-C73E-E022-2A1A168AFA8A}"/>
+              </a:ext>
+            </a:extLst>
+          </p:cNvPr>
+          <p:cNvPicPr>
+            <a:picLocks noChangeAspect="1"/>
+          </p:cNvPicPr>
+          <p:nvPr/>
+        </p:nvPicPr>
+        <p:blipFill>
+          <a:blip r:embed="rId7"/>
+          <a:stretch>
+            <a:fillRect/>
+          </a:stretch>
+        </p:blipFill>
+        <p:spPr>
+          <a:xfrm rot="5400000">
+            <a:off x="8502722" y="5042504"/>
+            <a:ext cx="1028789" cy="190517"/>
+          </a:xfrm>
+          <a:prstGeom prst="rect">
+            <a:avLst/>
+          </a:prstGeom>
+        </p:spPr>
+      </p:pic>
+      <p:pic>
+        <p:nvPicPr>
+          <p:cNvPr id="17" name="그림 16">
+            <a:extLst>
+              <a:ext uri="{FF2B5EF4-FFF2-40B4-BE49-F238E27FC236}">
+                <a16:creationId xmlns:a16="http://schemas.microsoft.com/office/drawing/2014/main" id="{3E7092F2-CA66-3CE1-3606-498298817BB8}"/>
+              </a:ext>
+            </a:extLst>
+          </p:cNvPr>
+          <p:cNvPicPr>
+            <a:picLocks noChangeAspect="1"/>
+          </p:cNvPicPr>
+          <p:nvPr/>
+        </p:nvPicPr>
+        <p:blipFill>
+          <a:blip r:embed="rId8"/>
+          <a:stretch>
+            <a:fillRect/>
+          </a:stretch>
+        </p:blipFill>
+        <p:spPr>
+          <a:xfrm rot="5400000">
+            <a:off x="8483669" y="6140412"/>
+            <a:ext cx="1044030" cy="167655"/>
+          </a:xfrm>
+          <a:prstGeom prst="rect">
+            <a:avLst/>
+          </a:prstGeom>
+        </p:spPr>
+      </p:pic>
+      <p:cxnSp>
+        <p:nvCxnSpPr>
+          <p:cNvPr id="19" name="직선 화살표 연결선 18">
+            <a:extLst>
+              <a:ext uri="{FF2B5EF4-FFF2-40B4-BE49-F238E27FC236}">
+                <a16:creationId xmlns:a16="http://schemas.microsoft.com/office/drawing/2014/main" id="{EC635F08-7D95-1865-0E39-153375F28435}"/>
+              </a:ext>
+            </a:extLst>
+          </p:cNvPr>
+          <p:cNvCxnSpPr>
+            <a:cxnSpLocks/>
+          </p:cNvCxnSpPr>
+          <p:nvPr/>
+        </p:nvCxnSpPr>
+        <p:spPr>
+          <a:xfrm flipV="1">
+            <a:off x="7773735" y="400650"/>
+            <a:ext cx="1148121" cy="2807542"/>
+          </a:xfrm>
+          <a:prstGeom prst="straightConnector1">
+            <a:avLst/>
+          </a:prstGeom>
+          <a:ln>
+            <a:tailEnd type="triangle"/>
+          </a:ln>
+        </p:spPr>
+        <p:style>
+          <a:lnRef idx="1">
+            <a:schemeClr val="accent1"/>
+          </a:lnRef>
+          <a:fillRef idx="0">
+            <a:schemeClr val="accent1"/>
+          </a:fillRef>
+          <a:effectRef idx="0">
+            <a:schemeClr val="accent1"/>
+          </a:effectRef>
+          <a:fontRef idx="minor">
+            <a:schemeClr val="tx1"/>
+          </a:fontRef>
+        </p:style>
+      </p:cxnSp>
+      <p:cxnSp>
+        <p:nvCxnSpPr>
+          <p:cNvPr id="21" name="직선 화살표 연결선 20">
+            <a:extLst>
+              <a:ext uri="{FF2B5EF4-FFF2-40B4-BE49-F238E27FC236}">
+                <a16:creationId xmlns:a16="http://schemas.microsoft.com/office/drawing/2014/main" id="{92A4AEED-6287-1494-5553-80E28F7D5FC9}"/>
+              </a:ext>
+            </a:extLst>
+          </p:cNvPr>
+          <p:cNvCxnSpPr>
+            <a:endCxn id="17" idx="3"/>
+          </p:cNvCxnSpPr>
+          <p:nvPr/>
+        </p:nvCxnSpPr>
+        <p:spPr>
+          <a:xfrm>
+            <a:off x="7773735" y="4209724"/>
+            <a:ext cx="1148121" cy="2536531"/>
+          </a:xfrm>
+          <a:prstGeom prst="straightConnector1">
+            <a:avLst/>
+          </a:prstGeom>
+          <a:ln>
+            <a:tailEnd type="triangle"/>
+          </a:ln>
+        </p:spPr>
+        <p:style>
+          <a:lnRef idx="1">
+            <a:schemeClr val="accent1"/>
+          </a:lnRef>
+          <a:fillRef idx="0">
+            <a:schemeClr val="accent1"/>
+          </a:fillRef>
+          <a:effectRef idx="0">
+            <a:schemeClr val="accent1"/>
+          </a:effectRef>
+          <a:fontRef idx="minor">
+            <a:schemeClr val="tx1"/>
+          </a:fontRef>
+        </p:style>
+      </p:cxnSp>
+      <p:sp>
+        <p:nvSpPr>
+          <p:cNvPr id="25" name="사각형: 잘린 위쪽 모서리 24">
+            <a:extLst>
+              <a:ext uri="{FF2B5EF4-FFF2-40B4-BE49-F238E27FC236}">
+                <a16:creationId xmlns:a16="http://schemas.microsoft.com/office/drawing/2014/main" id="{72EDD3BA-1DF4-4170-CA53-B0816CC8D406}"/>
+              </a:ext>
+            </a:extLst>
+          </p:cNvPr>
+          <p:cNvSpPr/>
+          <p:nvPr/>
+        </p:nvSpPr>
+        <p:spPr>
+          <a:xfrm rot="5400000">
+            <a:off x="9225372" y="3205614"/>
+            <a:ext cx="2290714" cy="867266"/>
+          </a:xfrm>
+          <a:prstGeom prst="snip2SameRect">
+            <a:avLst>
+              <a:gd name="adj1" fmla="val 50000"/>
+              <a:gd name="adj2" fmla="val 0"/>
+            </a:avLst>
+          </a:prstGeom>
+        </p:spPr>
+        <p:style>
+          <a:lnRef idx="2">
+            <a:schemeClr val="accent1">
+              <a:shade val="50000"/>
+            </a:schemeClr>
+          </a:lnRef>
+          <a:fillRef idx="1">
+            <a:schemeClr val="accent1"/>
+          </a:fillRef>
+          <a:effectRef idx="0">
+            <a:schemeClr val="accent1"/>
+          </a:effectRef>
+          <a:fontRef idx="minor">
+            <a:schemeClr val="lt1"/>
+          </a:fontRef>
+        </p:style>
+        <p:txBody>
+          <a:bodyPr rtlCol="0" anchor="ctr"/>
+          <a:lstStyle/>
+          <a:p>
+            <a:pPr algn="ctr"/>
+            <a:endParaRPr lang="ko-KR" altLang="en-US"/>
+          </a:p>
+        </p:txBody>
+      </p:sp>
+      <p:cxnSp>
+        <p:nvCxnSpPr>
+          <p:cNvPr id="26" name="직선 화살표 연결선 25">
+            <a:extLst>
+              <a:ext uri="{FF2B5EF4-FFF2-40B4-BE49-F238E27FC236}">
+                <a16:creationId xmlns:a16="http://schemas.microsoft.com/office/drawing/2014/main" id="{3C9C6906-A831-05C0-45F0-B1848ED03BBE}"/>
+              </a:ext>
+            </a:extLst>
+          </p:cNvPr>
+          <p:cNvCxnSpPr/>
+          <p:nvPr/>
+        </p:nvCxnSpPr>
+        <p:spPr>
+          <a:xfrm>
+            <a:off x="10977373" y="3763122"/>
+            <a:ext cx="292964" cy="0"/>
+          </a:xfrm>
+          <a:prstGeom prst="straightConnector1">
+            <a:avLst/>
+          </a:prstGeom>
+          <a:ln>
+            <a:tailEnd type="triangle"/>
+          </a:ln>
+        </p:spPr>
+        <p:style>
+          <a:lnRef idx="1">
+            <a:schemeClr val="accent1"/>
+          </a:lnRef>
+          <a:fillRef idx="0">
+            <a:schemeClr val="accent1"/>
+          </a:fillRef>
+          <a:effectRef idx="0">
+            <a:schemeClr val="accent1"/>
+          </a:effectRef>
+          <a:fontRef idx="minor">
+            <a:schemeClr val="tx1"/>
+          </a:fontRef>
+        </p:style>
+      </p:cxnSp>
+      <p:sp>
+        <p:nvSpPr>
+          <p:cNvPr id="27" name="TextBox 26">
+            <a:extLst>
+              <a:ext uri="{FF2B5EF4-FFF2-40B4-BE49-F238E27FC236}">
+                <a16:creationId xmlns:a16="http://schemas.microsoft.com/office/drawing/2014/main" id="{E56F08F1-1CA3-FC44-D70D-BBB2D5439D07}"/>
+              </a:ext>
+            </a:extLst>
+          </p:cNvPr>
+          <p:cNvSpPr txBox="1"/>
+          <p:nvPr/>
+        </p:nvSpPr>
+        <p:spPr>
+          <a:xfrm>
+            <a:off x="11270337" y="3400714"/>
+            <a:ext cx="1011815" cy="707886"/>
+          </a:xfrm>
+          <a:prstGeom prst="rect">
+            <a:avLst/>
+          </a:prstGeom>
+          <a:noFill/>
+        </p:spPr>
+        <p:txBody>
+          <a:bodyPr wrap="none" rtlCol="0">
+            <a:spAutoFit/>
+          </a:bodyPr>
+          <a:lstStyle/>
+          <a:p>
+            <a:r>
+              <a:rPr lang="en-US" altLang="ko-KR" sz="4000" dirty="0"/>
+              <a:t>flog</a:t>
+            </a:r>
+            <a:endParaRPr lang="ko-KR" altLang="en-US" sz="4000" dirty="0"/>
+          </a:p>
+        </p:txBody>
+      </p:sp>
+      <p:cxnSp>
+        <p:nvCxnSpPr>
+          <p:cNvPr id="29" name="직선 화살표 연결선 28">
+            <a:extLst>
+              <a:ext uri="{FF2B5EF4-FFF2-40B4-BE49-F238E27FC236}">
+                <a16:creationId xmlns:a16="http://schemas.microsoft.com/office/drawing/2014/main" id="{6D371641-45DA-9DB2-9803-4FEDF63CE861}"/>
+              </a:ext>
+            </a:extLst>
+          </p:cNvPr>
+          <p:cNvCxnSpPr>
+            <a:stCxn id="7" idx="0"/>
+          </p:cNvCxnSpPr>
+          <p:nvPr/>
+        </p:nvCxnSpPr>
+        <p:spPr>
+          <a:xfrm>
+            <a:off x="9089513" y="903614"/>
+            <a:ext cx="780351" cy="1924427"/>
+          </a:xfrm>
+          <a:prstGeom prst="straightConnector1">
+            <a:avLst/>
+          </a:prstGeom>
+          <a:ln>
+            <a:tailEnd type="triangle"/>
+          </a:ln>
+        </p:spPr>
+        <p:style>
+          <a:lnRef idx="1">
+            <a:schemeClr val="accent1"/>
+          </a:lnRef>
+          <a:fillRef idx="0">
+            <a:schemeClr val="accent1"/>
+          </a:fillRef>
+          <a:effectRef idx="0">
+            <a:schemeClr val="accent1"/>
+          </a:effectRef>
+          <a:fontRef idx="minor">
+            <a:schemeClr val="tx1"/>
+          </a:fontRef>
+        </p:style>
+      </p:cxnSp>
+      <p:cxnSp>
+        <p:nvCxnSpPr>
+          <p:cNvPr id="31" name="직선 화살표 연결선 30">
+            <a:extLst>
+              <a:ext uri="{FF2B5EF4-FFF2-40B4-BE49-F238E27FC236}">
+                <a16:creationId xmlns:a16="http://schemas.microsoft.com/office/drawing/2014/main" id="{C566E80F-6523-D80C-156F-989E3C1FD32B}"/>
+              </a:ext>
+            </a:extLst>
+          </p:cNvPr>
+          <p:cNvCxnSpPr>
+            <a:stCxn id="9" idx="0"/>
+          </p:cNvCxnSpPr>
+          <p:nvPr/>
+        </p:nvCxnSpPr>
+        <p:spPr>
+          <a:xfrm>
+            <a:off x="9089513" y="1938436"/>
+            <a:ext cx="742644" cy="1162983"/>
+          </a:xfrm>
+          <a:prstGeom prst="straightConnector1">
+            <a:avLst/>
+          </a:prstGeom>
+          <a:ln>
+            <a:tailEnd type="triangle"/>
+          </a:ln>
+        </p:spPr>
+        <p:style>
+          <a:lnRef idx="1">
+            <a:schemeClr val="accent1"/>
+          </a:lnRef>
+          <a:fillRef idx="0">
+            <a:schemeClr val="accent1"/>
+          </a:fillRef>
+          <a:effectRef idx="0">
+            <a:schemeClr val="accent1"/>
+          </a:effectRef>
+          <a:fontRef idx="minor">
+            <a:schemeClr val="tx1"/>
+          </a:fontRef>
+        </p:style>
+      </p:cxnSp>
+      <p:cxnSp>
+        <p:nvCxnSpPr>
+          <p:cNvPr id="33" name="직선 화살표 연결선 32">
+            <a:extLst>
+              <a:ext uri="{FF2B5EF4-FFF2-40B4-BE49-F238E27FC236}">
+                <a16:creationId xmlns:a16="http://schemas.microsoft.com/office/drawing/2014/main" id="{3A6E6A78-C095-16B8-EAB5-99316C6DA9BE}"/>
+              </a:ext>
+            </a:extLst>
+          </p:cNvPr>
+          <p:cNvCxnSpPr>
+            <a:stCxn id="11" idx="0"/>
+          </p:cNvCxnSpPr>
+          <p:nvPr/>
+        </p:nvCxnSpPr>
+        <p:spPr>
+          <a:xfrm>
+            <a:off x="9100945" y="2991592"/>
+            <a:ext cx="768919" cy="437408"/>
+          </a:xfrm>
+          <a:prstGeom prst="straightConnector1">
+            <a:avLst/>
+          </a:prstGeom>
+          <a:ln>
+            <a:tailEnd type="triangle"/>
+          </a:ln>
+        </p:spPr>
+        <p:style>
+          <a:lnRef idx="1">
+            <a:schemeClr val="accent1"/>
+          </a:lnRef>
+          <a:fillRef idx="0">
+            <a:schemeClr val="accent1"/>
+          </a:fillRef>
+          <a:effectRef idx="0">
+            <a:schemeClr val="accent1"/>
+          </a:effectRef>
+          <a:fontRef idx="minor">
+            <a:schemeClr val="tx1"/>
+          </a:fontRef>
+        </p:style>
+      </p:cxnSp>
+      <p:cxnSp>
+        <p:nvCxnSpPr>
+          <p:cNvPr id="35" name="직선 화살표 연결선 34">
+            <a:extLst>
+              <a:ext uri="{FF2B5EF4-FFF2-40B4-BE49-F238E27FC236}">
+                <a16:creationId xmlns:a16="http://schemas.microsoft.com/office/drawing/2014/main" id="{3DCCD920-A9C0-4868-A102-052B54C6DC32}"/>
+              </a:ext>
+            </a:extLst>
+          </p:cNvPr>
+          <p:cNvCxnSpPr>
+            <a:stCxn id="13" idx="0"/>
+          </p:cNvCxnSpPr>
+          <p:nvPr/>
+        </p:nvCxnSpPr>
+        <p:spPr>
+          <a:xfrm flipV="1">
+            <a:off x="9100945" y="3763122"/>
+            <a:ext cx="768919" cy="284356"/>
+          </a:xfrm>
+          <a:prstGeom prst="straightConnector1">
+            <a:avLst/>
+          </a:prstGeom>
+          <a:ln>
+            <a:tailEnd type="triangle"/>
+          </a:ln>
+        </p:spPr>
+        <p:style>
+          <a:lnRef idx="1">
+            <a:schemeClr val="accent1"/>
+          </a:lnRef>
+          <a:fillRef idx="0">
+            <a:schemeClr val="accent1"/>
+          </a:fillRef>
+          <a:effectRef idx="0">
+            <a:schemeClr val="accent1"/>
+          </a:effectRef>
+          <a:fontRef idx="minor">
+            <a:schemeClr val="tx1"/>
+          </a:fontRef>
+        </p:style>
+      </p:cxnSp>
+      <p:cxnSp>
+        <p:nvCxnSpPr>
+          <p:cNvPr id="37" name="직선 화살표 연결선 36">
+            <a:extLst>
+              <a:ext uri="{FF2B5EF4-FFF2-40B4-BE49-F238E27FC236}">
+                <a16:creationId xmlns:a16="http://schemas.microsoft.com/office/drawing/2014/main" id="{845DFEA9-D853-3DE1-D2F5-98F2572032FF}"/>
+              </a:ext>
+            </a:extLst>
+          </p:cNvPr>
+          <p:cNvCxnSpPr>
+            <a:stCxn id="15" idx="0"/>
+          </p:cNvCxnSpPr>
+          <p:nvPr/>
+        </p:nvCxnSpPr>
+        <p:spPr>
+          <a:xfrm flipV="1">
+            <a:off x="9112375" y="4108600"/>
+            <a:ext cx="719782" cy="1029163"/>
+          </a:xfrm>
+          <a:prstGeom prst="straightConnector1">
+            <a:avLst/>
+          </a:prstGeom>
+          <a:ln>
+            <a:tailEnd type="triangle"/>
+          </a:ln>
+        </p:spPr>
+        <p:style>
+          <a:lnRef idx="1">
+            <a:schemeClr val="accent1"/>
+          </a:lnRef>
+          <a:fillRef idx="0">
+            <a:schemeClr val="accent1"/>
+          </a:fillRef>
+          <a:effectRef idx="0">
+            <a:schemeClr val="accent1"/>
+          </a:effectRef>
+          <a:fontRef idx="minor">
+            <a:schemeClr val="tx1"/>
+          </a:fontRef>
+        </p:style>
+      </p:cxnSp>
+      <p:cxnSp>
+        <p:nvCxnSpPr>
+          <p:cNvPr id="39" name="직선 화살표 연결선 38">
+            <a:extLst>
+              <a:ext uri="{FF2B5EF4-FFF2-40B4-BE49-F238E27FC236}">
+                <a16:creationId xmlns:a16="http://schemas.microsoft.com/office/drawing/2014/main" id="{DD9ED624-8CD6-B8AD-D32E-B2A0FB149198}"/>
+              </a:ext>
+            </a:extLst>
+          </p:cNvPr>
+          <p:cNvCxnSpPr>
+            <a:stCxn id="17" idx="0"/>
+          </p:cNvCxnSpPr>
+          <p:nvPr/>
+        </p:nvCxnSpPr>
+        <p:spPr>
+          <a:xfrm flipV="1">
+            <a:off x="9089512" y="4336330"/>
+            <a:ext cx="780352" cy="1887910"/>
+          </a:xfrm>
+          <a:prstGeom prst="straightConnector1">
+            <a:avLst/>
+          </a:prstGeom>
+          <a:ln>
+            <a:tailEnd type="triangle"/>
+          </a:ln>
+        </p:spPr>
+        <p:style>
+          <a:lnRef idx="1">
+            <a:schemeClr val="accent1"/>
+          </a:lnRef>
+          <a:fillRef idx="0">
+            <a:schemeClr val="accent1"/>
+          </a:fillRef>
+          <a:effectRef idx="0">
+            <a:schemeClr val="accent1"/>
+          </a:effectRef>
+          <a:fontRef idx="minor">
+            <a:schemeClr val="tx1"/>
+          </a:fontRef>
+        </p:style>
+      </p:cxnSp>
+    </p:spTree>
+    <p:extLst>
+      <p:ext uri="{BB962C8B-B14F-4D97-AF65-F5344CB8AC3E}">
+        <p14:creationId xmlns:p14="http://schemas.microsoft.com/office/powerpoint/2010/main" val="1529976109"/>
+      </p:ext>
+    </p:extLst>
+  </p:cSld>
+  <p:clrMapOvr>
+    <a:masterClrMapping/>
+  </p:clrMapOvr>
+</p:sld>
+</file>
+
+<file path=ppt/slides/slide13.xml><?xml version="1.0" encoding="utf-8"?>
+<p:sld xmlns:a="http://schemas.openxmlformats.org/drawingml/2006/main" xmlns:r="http://schemas.openxmlformats.org/officeDocument/2006/relationships" xmlns:p="http://schemas.openxmlformats.org/presentationml/2006/main">
+  <p:cSld>
+    <p:spTree>
+      <p:nvGrpSpPr>
+        <p:cNvPr id="1" name=""/>
+        <p:cNvGrpSpPr/>
+        <p:nvPr/>
+      </p:nvGrpSpPr>
+      <p:grpSpPr>
+        <a:xfrm>
+          <a:off x="0" y="0"/>
+          <a:ext cx="0" cy="0"/>
+          <a:chOff x="0" y="0"/>
+          <a:chExt cx="0" cy="0"/>
+        </a:xfrm>
+      </p:grpSpPr>
+      <p:sp>
+        <p:nvSpPr>
+          <p:cNvPr id="2" name="제목 1">
+            <a:extLst>
+              <a:ext uri="{FF2B5EF4-FFF2-40B4-BE49-F238E27FC236}">
+                <a16:creationId xmlns:a16="http://schemas.microsoft.com/office/drawing/2014/main" id="{38CC09F1-559B-0B45-7DAB-569770232F83}"/>
+              </a:ext>
+            </a:extLst>
+          </p:cNvPr>
+          <p:cNvSpPr>
+            <a:spLocks noGrp="1"/>
+          </p:cNvSpPr>
+          <p:nvPr>
+            <p:ph type="title"/>
+          </p:nvPr>
+        </p:nvSpPr>
+        <p:spPr/>
+        <p:txBody>
+          <a:bodyPr/>
+          <a:lstStyle/>
+          <a:p>
+            <a:r>
+              <a:rPr lang="en-US" altLang="ko-KR" dirty="0"/>
+              <a:t>CIFAR10 </a:t>
+            </a:r>
+            <a:r>
+              <a:rPr lang="ko-KR" altLang="en-US" dirty="0"/>
+              <a:t>데이터셋의 문제점 </a:t>
+            </a:r>
+          </a:p>
+        </p:txBody>
+      </p:sp>
+      <p:sp>
+        <p:nvSpPr>
+          <p:cNvPr id="3" name="텍스트 개체 틀 2">
+            <a:extLst>
+              <a:ext uri="{FF2B5EF4-FFF2-40B4-BE49-F238E27FC236}">
+                <a16:creationId xmlns:a16="http://schemas.microsoft.com/office/drawing/2014/main" id="{62B64793-6F65-03E0-42B3-66D9300731EC}"/>
+              </a:ext>
+            </a:extLst>
+          </p:cNvPr>
+          <p:cNvSpPr>
+            <a:spLocks noGrp="1"/>
+          </p:cNvSpPr>
+          <p:nvPr>
+            <p:ph type="body" idx="1"/>
+          </p:nvPr>
+        </p:nvSpPr>
+        <p:spPr>
+          <a:xfrm>
+            <a:off x="838200" y="1825625"/>
+            <a:ext cx="5383491" cy="4351338"/>
+          </a:xfrm>
+        </p:spPr>
+        <p:txBody>
+          <a:bodyPr/>
+          <a:lstStyle/>
+          <a:p>
+            <a:r>
+              <a:rPr lang="en-US" altLang="ko-KR" dirty="0"/>
+              <a:t>CIFAR10 </a:t>
+            </a:r>
+            <a:r>
+              <a:rPr lang="ko-KR" altLang="en-US" dirty="0"/>
+              <a:t>데이터셋은 비슷한 색상과 비슷한 위치로 구성되어 있지 않다</a:t>
+            </a:r>
+            <a:r>
+              <a:rPr lang="en-US" altLang="ko-KR" dirty="0"/>
+              <a:t>.</a:t>
+            </a:r>
+          </a:p>
+          <a:p>
+            <a:r>
+              <a:rPr lang="ko-KR" altLang="en-US" dirty="0"/>
+              <a:t>같은 라벨</a:t>
+            </a:r>
+            <a:r>
+              <a:rPr lang="en-US" altLang="ko-KR" dirty="0"/>
+              <a:t>(ex: </a:t>
+            </a:r>
+            <a:r>
+              <a:rPr lang="ko-KR" altLang="en-US" dirty="0"/>
+              <a:t>개구리</a:t>
+            </a:r>
+            <a:r>
+              <a:rPr lang="en-US" altLang="ko-KR" dirty="0"/>
+              <a:t>)</a:t>
+            </a:r>
+            <a:r>
+              <a:rPr lang="ko-KR" altLang="en-US" dirty="0"/>
+              <a:t>이라도</a:t>
+            </a:r>
+            <a:r>
+              <a:rPr lang="en-US" altLang="ko-KR" dirty="0"/>
+              <a:t> </a:t>
+            </a:r>
+            <a:r>
+              <a:rPr lang="ko-KR" altLang="en-US" dirty="0"/>
+              <a:t>색상과 이미지의 배치가 엄청나게 다름 </a:t>
+            </a:r>
+            <a:endParaRPr lang="en-US" altLang="ko-KR" dirty="0"/>
+          </a:p>
+          <a:p>
+            <a:r>
+              <a:rPr lang="ko-KR" altLang="en-US" dirty="0"/>
+              <a:t>이럴 경우 </a:t>
+            </a:r>
+            <a:r>
+              <a:rPr lang="en-US" altLang="ko-KR" dirty="0"/>
+              <a:t>flattening</a:t>
+            </a:r>
+            <a:r>
+              <a:rPr lang="ko-KR" altLang="en-US" dirty="0"/>
+              <a:t>을</a:t>
+            </a:r>
+            <a:r>
+              <a:rPr lang="en-US" altLang="ko-KR" dirty="0"/>
+              <a:t> </a:t>
+            </a:r>
+            <a:r>
+              <a:rPr lang="ko-KR" altLang="en-US" dirty="0"/>
+              <a:t>하면 정보를 거의 유실된다고 볼 수 있음 </a:t>
+            </a:r>
+          </a:p>
+        </p:txBody>
+      </p:sp>
+      <p:pic>
+        <p:nvPicPr>
+          <p:cNvPr id="13" name="그림 12">
+            <a:extLst>
+              <a:ext uri="{FF2B5EF4-FFF2-40B4-BE49-F238E27FC236}">
+                <a16:creationId xmlns:a16="http://schemas.microsoft.com/office/drawing/2014/main" id="{6ED00D5C-E738-4DF3-4161-F4D2C3B917A5}"/>
+              </a:ext>
+            </a:extLst>
+          </p:cNvPr>
+          <p:cNvPicPr>
+            <a:picLocks noChangeAspect="1"/>
+          </p:cNvPicPr>
+          <p:nvPr/>
+        </p:nvPicPr>
+        <p:blipFill>
+          <a:blip r:embed="rId2"/>
+          <a:stretch>
+            <a:fillRect/>
+          </a:stretch>
+        </p:blipFill>
+        <p:spPr>
+          <a:xfrm>
+            <a:off x="6020321" y="2234315"/>
+            <a:ext cx="6171679" cy="3044696"/>
+          </a:xfrm>
+          <a:prstGeom prst="rect">
+            <a:avLst/>
+          </a:prstGeom>
+        </p:spPr>
+      </p:pic>
+    </p:spTree>
+    <p:extLst>
+      <p:ext uri="{BB962C8B-B14F-4D97-AF65-F5344CB8AC3E}">
+        <p14:creationId xmlns:p14="http://schemas.microsoft.com/office/powerpoint/2010/main" val="1881862655"/>
+      </p:ext>
+    </p:extLst>
+  </p:cSld>
+  <p:clrMapOvr>
+    <a:masterClrMapping/>
+  </p:clrMapOvr>
+</p:sld>
+</file>
+
+<file path=ppt/slides/slide14.xml><?xml version="1.0" encoding="utf-8"?>
+<p:sld xmlns:a="http://schemas.openxmlformats.org/drawingml/2006/main" xmlns:r="http://schemas.openxmlformats.org/officeDocument/2006/relationships" xmlns:p="http://schemas.openxmlformats.org/presentationml/2006/main">
+  <p:cSld>
+    <p:spTree>
+      <p:nvGrpSpPr>
+        <p:cNvPr id="1" name=""/>
+        <p:cNvGrpSpPr/>
+        <p:nvPr/>
+      </p:nvGrpSpPr>
+      <p:grpSpPr>
+        <a:xfrm>
+          <a:off x="0" y="0"/>
+          <a:ext cx="0" cy="0"/>
+          <a:chOff x="0" y="0"/>
+          <a:chExt cx="0" cy="0"/>
+        </a:xfrm>
+      </p:grpSpPr>
+      <p:sp>
+        <p:nvSpPr>
+          <p:cNvPr id="2" name="제목 1">
+            <a:extLst>
+              <a:ext uri="{FF2B5EF4-FFF2-40B4-BE49-F238E27FC236}">
+                <a16:creationId xmlns:a16="http://schemas.microsoft.com/office/drawing/2014/main" id="{E3643BD4-9F2C-0848-D711-7E6B7C055D75}"/>
+              </a:ext>
+            </a:extLst>
+          </p:cNvPr>
+          <p:cNvSpPr>
+            <a:spLocks noGrp="1"/>
+          </p:cNvSpPr>
+          <p:nvPr>
+            <p:ph type="title"/>
+          </p:nvPr>
+        </p:nvSpPr>
+        <p:spPr/>
+        <p:txBody>
+          <a:bodyPr/>
+          <a:lstStyle/>
+          <a:p>
+            <a:r>
+              <a:rPr lang="ko-KR" altLang="en-US" dirty="0" err="1"/>
+              <a:t>컨볼루션의</a:t>
+            </a:r>
+            <a:r>
+              <a:rPr lang="ko-KR" altLang="en-US" dirty="0"/>
+              <a:t> 도입 </a:t>
+            </a:r>
+          </a:p>
+        </p:txBody>
+      </p:sp>
+      <p:sp>
+        <p:nvSpPr>
+          <p:cNvPr id="3" name="텍스트 개체 틀 2">
+            <a:extLst>
+              <a:ext uri="{FF2B5EF4-FFF2-40B4-BE49-F238E27FC236}">
+                <a16:creationId xmlns:a16="http://schemas.microsoft.com/office/drawing/2014/main" id="{C1AD742B-64DB-AE45-1E22-B577EA6E4367}"/>
+              </a:ext>
+            </a:extLst>
+          </p:cNvPr>
+          <p:cNvSpPr>
+            <a:spLocks noGrp="1"/>
+          </p:cNvSpPr>
+          <p:nvPr>
+            <p:ph type="body" idx="1"/>
+          </p:nvPr>
+        </p:nvSpPr>
+        <p:spPr/>
+        <p:txBody>
+          <a:bodyPr/>
+          <a:lstStyle/>
+          <a:p>
+            <a:r>
+              <a:rPr lang="ko-KR" altLang="en-US" dirty="0"/>
+              <a:t>신경망을 이용한 이미지 분류를 하려면 기존 </a:t>
+            </a:r>
+            <a:r>
+              <a:rPr lang="en-US" altLang="ko-KR" dirty="0"/>
+              <a:t>NN</a:t>
+            </a:r>
+            <a:r>
+              <a:rPr lang="ko-KR" altLang="en-US" dirty="0"/>
+              <a:t>에 무엇인가 전처리를 </a:t>
+            </a:r>
+            <a:r>
+              <a:rPr lang="ko-KR" altLang="en-US" dirty="0" err="1"/>
+              <a:t>해야할</a:t>
+            </a:r>
+            <a:r>
+              <a:rPr lang="ko-KR" altLang="en-US" dirty="0"/>
+              <a:t> 필요가 있다</a:t>
+            </a:r>
+            <a:r>
+              <a:rPr lang="en-US" altLang="ko-KR" dirty="0"/>
+              <a:t>. </a:t>
+            </a:r>
+          </a:p>
+          <a:p>
+            <a:r>
+              <a:rPr lang="ko-KR" altLang="en-US" dirty="0"/>
+              <a:t>전처리를 통해서 다음 두가지 사항을 만족시켜야 한다</a:t>
+            </a:r>
+            <a:r>
+              <a:rPr lang="en-US" altLang="ko-KR" dirty="0"/>
+              <a:t>. </a:t>
+            </a:r>
+          </a:p>
+          <a:p>
+            <a:pPr lvl="1"/>
+            <a:r>
+              <a:rPr lang="en-US" altLang="ko-KR" dirty="0" err="1"/>
+              <a:t>Flatterning</a:t>
+            </a:r>
+            <a:r>
+              <a:rPr lang="ko-KR" altLang="en-US" dirty="0"/>
+              <a:t>을 해도 정보가 상실되지 않도록 하기 </a:t>
+            </a:r>
+            <a:endParaRPr lang="en-US" altLang="ko-KR" dirty="0"/>
+          </a:p>
+          <a:p>
+            <a:pPr lvl="1"/>
+            <a:r>
+              <a:rPr lang="ko-KR" altLang="en-US" dirty="0"/>
+              <a:t>같은 라벨의 이미지들은 모두 같은 특성을 가지도록 처리하기 </a:t>
+            </a:r>
+            <a:endParaRPr lang="en-US" altLang="ko-KR" dirty="0"/>
+          </a:p>
+          <a:p>
+            <a:r>
+              <a:rPr lang="ko-KR" altLang="en-US" dirty="0"/>
+              <a:t>위 두가지 사항을 만족시키기 위해서 </a:t>
+            </a:r>
+            <a:r>
+              <a:rPr lang="ko-KR" altLang="en-US" dirty="0" err="1"/>
+              <a:t>컨볼루션</a:t>
+            </a:r>
+            <a:r>
+              <a:rPr lang="en-US" altLang="ko-KR" dirty="0"/>
+              <a:t>(convolution) </a:t>
+            </a:r>
+            <a:r>
+              <a:rPr lang="ko-KR" altLang="en-US" dirty="0"/>
+              <a:t>기법을 사용한다</a:t>
+            </a:r>
+            <a:r>
+              <a:rPr lang="en-US" altLang="ko-KR" dirty="0"/>
+              <a:t>. </a:t>
+            </a:r>
+            <a:endParaRPr lang="ko-KR" altLang="en-US" dirty="0"/>
+          </a:p>
+        </p:txBody>
+      </p:sp>
+    </p:spTree>
+    <p:extLst>
+      <p:ext uri="{BB962C8B-B14F-4D97-AF65-F5344CB8AC3E}">
+        <p14:creationId xmlns:p14="http://schemas.microsoft.com/office/powerpoint/2010/main" val="3104473760"/>
+      </p:ext>
+    </p:extLst>
+  </p:cSld>
+  <p:clrMapOvr>
+    <a:masterClrMapping/>
+  </p:clrMapOvr>
+</p:sld>
+</file>
+
+<file path=ppt/slides/slide15.xml><?xml version="1.0" encoding="utf-8"?>
+<p:sld xmlns:a="http://schemas.openxmlformats.org/drawingml/2006/main" xmlns:r="http://schemas.openxmlformats.org/officeDocument/2006/relationships" xmlns:p="http://schemas.openxmlformats.org/presentationml/2006/main">
+  <p:cSld>
+    <p:spTree>
+      <p:nvGrpSpPr>
+        <p:cNvPr id="1" name=""/>
+        <p:cNvGrpSpPr/>
+        <p:nvPr/>
+      </p:nvGrpSpPr>
+      <p:grpSpPr>
+        <a:xfrm>
+          <a:off x="0" y="0"/>
+          <a:ext cx="0" cy="0"/>
+          <a:chOff x="0" y="0"/>
+          <a:chExt cx="0" cy="0"/>
+        </a:xfrm>
+      </p:grpSpPr>
+      <p:sp>
+        <p:nvSpPr>
+          <p:cNvPr id="2" name="제목 1">
+            <a:extLst>
+              <a:ext uri="{FF2B5EF4-FFF2-40B4-BE49-F238E27FC236}">
+                <a16:creationId xmlns:a16="http://schemas.microsoft.com/office/drawing/2014/main" id="{6D19CBA1-923C-97FD-69C0-8A20F277B00B}"/>
+              </a:ext>
+            </a:extLst>
+          </p:cNvPr>
+          <p:cNvSpPr>
+            <a:spLocks noGrp="1"/>
+          </p:cNvSpPr>
+          <p:nvPr>
+            <p:ph type="title"/>
+          </p:nvPr>
+        </p:nvSpPr>
+        <p:spPr/>
+        <p:txBody>
+          <a:bodyPr/>
+          <a:lstStyle/>
+          <a:p>
+            <a:r>
+              <a:rPr lang="ko-KR" altLang="en-US" dirty="0" err="1"/>
+              <a:t>컨벌루션이란</a:t>
+            </a:r>
+            <a:r>
+              <a:rPr lang="en-US" altLang="ko-KR" dirty="0"/>
+              <a:t>?</a:t>
+            </a:r>
+            <a:endParaRPr lang="ko-KR" altLang="en-US" dirty="0"/>
+          </a:p>
+        </p:txBody>
+      </p:sp>
+      <p:pic>
+        <p:nvPicPr>
+          <p:cNvPr id="4" name="Google Shape;81;p5">
+            <a:extLst>
+              <a:ext uri="{FF2B5EF4-FFF2-40B4-BE49-F238E27FC236}">
+                <a16:creationId xmlns:a16="http://schemas.microsoft.com/office/drawing/2014/main" id="{EEB4F25A-F5F1-8FDB-07D9-6947A82FE843}"/>
+              </a:ext>
+            </a:extLst>
+          </p:cNvPr>
+          <p:cNvPicPr preferRelativeResize="0"/>
+          <p:nvPr/>
+        </p:nvPicPr>
+        <p:blipFill rotWithShape="1">
+          <a:blip r:embed="rId2">
+            <a:alphaModFix/>
+          </a:blip>
+          <a:srcRect/>
+          <a:stretch/>
+        </p:blipFill>
+        <p:spPr>
+          <a:xfrm>
+            <a:off x="2441075" y="2441775"/>
+            <a:ext cx="7124700" cy="2933700"/>
+          </a:xfrm>
+          <a:prstGeom prst="rect">
+            <a:avLst/>
+          </a:prstGeom>
+          <a:noFill/>
+          <a:ln>
+            <a:noFill/>
+          </a:ln>
+        </p:spPr>
+      </p:pic>
+      <p:sp>
+        <p:nvSpPr>
+          <p:cNvPr id="5" name="Google Shape;80;p5">
+            <a:extLst>
+              <a:ext uri="{FF2B5EF4-FFF2-40B4-BE49-F238E27FC236}">
+                <a16:creationId xmlns:a16="http://schemas.microsoft.com/office/drawing/2014/main" id="{48354168-0835-C219-BA21-E319C727BD3E}"/>
+              </a:ext>
+            </a:extLst>
+          </p:cNvPr>
+          <p:cNvSpPr txBox="1">
+            <a:spLocks noGrp="1"/>
+          </p:cNvSpPr>
+          <p:nvPr>
+            <p:ph type="body" idx="1"/>
+          </p:nvPr>
+        </p:nvSpPr>
+        <p:spPr>
+          <a:xfrm>
+            <a:off x="1835700" y="1536633"/>
+            <a:ext cx="8520600" cy="4555200"/>
+          </a:xfrm>
+          <a:prstGeom prst="rect">
+            <a:avLst/>
+          </a:prstGeom>
+          <a:noFill/>
+          <a:ln>
+            <a:noFill/>
+          </a:ln>
+        </p:spPr>
+        <p:txBody>
+          <a:bodyPr spcFirstLastPara="1" wrap="square" lIns="91425" tIns="91425" rIns="91425" bIns="91425" anchor="t" anchorCtr="0">
+            <a:normAutofit/>
+          </a:bodyPr>
+          <a:lstStyle/>
+          <a:p>
+            <a:pPr marL="457200" lvl="0" indent="-342900" algn="l" rtl="0">
+              <a:lnSpc>
+                <a:spcPct val="90000"/>
+              </a:lnSpc>
+              <a:spcBef>
+                <a:spcPts val="0"/>
+              </a:spcBef>
+              <a:spcAft>
+                <a:spcPts val="0"/>
+              </a:spcAft>
+              <a:buClr>
+                <a:schemeClr val="dk1"/>
+              </a:buClr>
+              <a:buSzPts val="1800"/>
+              <a:buChar char="●"/>
+            </a:pPr>
+            <a:r>
+              <a:rPr lang="en" dirty="0"/>
+              <a:t>가장 흔한 예: 이미지 blurring, 이미지 smoothing, edge detection, 이미지 sharpening  </a:t>
+            </a:r>
+            <a:endParaRPr dirty="0"/>
+          </a:p>
+        </p:txBody>
+      </p:sp>
+    </p:spTree>
+    <p:extLst>
+      <p:ext uri="{BB962C8B-B14F-4D97-AF65-F5344CB8AC3E}">
+        <p14:creationId xmlns:p14="http://schemas.microsoft.com/office/powerpoint/2010/main" val="3329517241"/>
+      </p:ext>
+    </p:extLst>
+  </p:cSld>
+  <p:clrMapOvr>
+    <a:masterClrMapping/>
+  </p:clrMapOvr>
+</p:sld>
+</file>
+
+<file path=ppt/slides/slide16.xml><?xml version="1.0" encoding="utf-8"?>
+<p:sld xmlns:a="http://schemas.openxmlformats.org/drawingml/2006/main" xmlns:r="http://schemas.openxmlformats.org/officeDocument/2006/relationships" xmlns:p="http://schemas.openxmlformats.org/presentationml/2006/main">
+  <p:cSld>
+    <p:spTree>
+      <p:nvGrpSpPr>
+        <p:cNvPr id="1" name=""/>
+        <p:cNvGrpSpPr/>
+        <p:nvPr/>
+      </p:nvGrpSpPr>
+      <p:grpSpPr>
+        <a:xfrm>
+          <a:off x="0" y="0"/>
+          <a:ext cx="0" cy="0"/>
+          <a:chOff x="0" y="0"/>
+          <a:chExt cx="0" cy="0"/>
+        </a:xfrm>
+      </p:grpSpPr>
+      <p:sp>
+        <p:nvSpPr>
+          <p:cNvPr id="2" name="제목 1">
+            <a:extLst>
+              <a:ext uri="{FF2B5EF4-FFF2-40B4-BE49-F238E27FC236}">
+                <a16:creationId xmlns:a16="http://schemas.microsoft.com/office/drawing/2014/main" id="{D8A799CA-40B0-A2E8-6CC8-D0E9C4A01F95}"/>
+              </a:ext>
+            </a:extLst>
+          </p:cNvPr>
+          <p:cNvSpPr>
+            <a:spLocks noGrp="1"/>
+          </p:cNvSpPr>
+          <p:nvPr>
+            <p:ph type="title"/>
+          </p:nvPr>
+        </p:nvSpPr>
+        <p:spPr/>
+        <p:txBody>
+          <a:bodyPr/>
+          <a:lstStyle/>
+          <a:p>
+            <a:r>
+              <a:rPr lang="ko-KR" altLang="en-US" dirty="0"/>
+              <a:t>이미지의 </a:t>
+            </a:r>
+            <a:r>
+              <a:rPr lang="ko-KR" altLang="en-US" dirty="0" err="1"/>
+              <a:t>컨볼루션을</a:t>
+            </a:r>
+            <a:r>
+              <a:rPr lang="ko-KR" altLang="en-US" dirty="0"/>
+              <a:t> 하는 방법 </a:t>
+            </a:r>
+            <a:r>
+              <a:rPr lang="en-US" altLang="ko-KR" dirty="0"/>
+              <a:t>(blur</a:t>
+            </a:r>
+            <a:r>
+              <a:rPr lang="ko-KR" altLang="en-US" dirty="0"/>
+              <a:t>의 예</a:t>
+            </a:r>
+            <a:r>
+              <a:rPr lang="en-US" altLang="ko-KR" dirty="0"/>
+              <a:t>)</a:t>
+            </a:r>
+            <a:endParaRPr lang="ko-KR" altLang="en-US" dirty="0"/>
+          </a:p>
+        </p:txBody>
+      </p:sp>
+      <p:sp>
+        <p:nvSpPr>
+          <p:cNvPr id="3" name="텍스트 개체 틀 2">
+            <a:extLst>
+              <a:ext uri="{FF2B5EF4-FFF2-40B4-BE49-F238E27FC236}">
+                <a16:creationId xmlns:a16="http://schemas.microsoft.com/office/drawing/2014/main" id="{8C248F7A-5750-83A9-4F12-E6F8B306B247}"/>
+              </a:ext>
+            </a:extLst>
+          </p:cNvPr>
+          <p:cNvSpPr>
+            <a:spLocks noGrp="1"/>
+          </p:cNvSpPr>
+          <p:nvPr>
+            <p:ph type="body" idx="1"/>
+          </p:nvPr>
+        </p:nvSpPr>
+        <p:spPr>
+          <a:xfrm>
+            <a:off x="838200" y="1825625"/>
+            <a:ext cx="6241330" cy="4351338"/>
+          </a:xfrm>
+        </p:spPr>
+        <p:txBody>
+          <a:bodyPr/>
+          <a:lstStyle/>
+          <a:p>
+            <a:r>
+              <a:rPr lang="en-US" altLang="ko-KR" dirty="0"/>
+              <a:t>Blur</a:t>
+            </a:r>
+            <a:r>
+              <a:rPr lang="ko-KR" altLang="en-US" dirty="0"/>
+              <a:t> 처리를 하려는 이미지는</a:t>
+            </a:r>
+            <a:r>
+              <a:rPr lang="en-US" altLang="ko-KR" dirty="0"/>
+              <a:t> </a:t>
+            </a:r>
+            <a:r>
+              <a:rPr lang="ko-KR" altLang="en-US" dirty="0"/>
+              <a:t>당연히 숫자 </a:t>
+            </a:r>
+            <a:r>
+              <a:rPr lang="en-US" altLang="ko-KR" dirty="0"/>
+              <a:t>(0 ~ 255) </a:t>
+            </a:r>
+            <a:r>
+              <a:rPr lang="ko-KR" altLang="en-US" dirty="0"/>
+              <a:t>구성되어 있다</a:t>
+            </a:r>
+            <a:r>
+              <a:rPr lang="en-US" altLang="ko-KR" dirty="0"/>
+              <a:t>.</a:t>
+            </a:r>
+          </a:p>
+          <a:p>
+            <a:r>
+              <a:rPr lang="ko-KR" altLang="en-US" dirty="0"/>
+              <a:t>이 이미지 전체를 일정하게 작은 사이즈로 분할한다</a:t>
+            </a:r>
+            <a:r>
+              <a:rPr lang="en-US" altLang="ko-KR" dirty="0"/>
+              <a:t>. </a:t>
+            </a:r>
+          </a:p>
+          <a:p>
+            <a:r>
+              <a:rPr lang="ko-KR" altLang="en-US" dirty="0"/>
+              <a:t>그리고 분할 된 작은 영역의 이미지에 같은 사이즈의 특정한 숫자배열을 곱한다</a:t>
+            </a:r>
+            <a:r>
+              <a:rPr lang="en-US" altLang="ko-KR" dirty="0"/>
+              <a:t>.  </a:t>
+            </a:r>
+          </a:p>
+          <a:p>
+            <a:r>
+              <a:rPr lang="ko-KR" altLang="en-US" dirty="0"/>
+              <a:t>가운데 이미지 숫자를 이 곱셈의 결과로 대체한다</a:t>
+            </a:r>
+            <a:r>
+              <a:rPr lang="en-US" altLang="ko-KR" dirty="0"/>
+              <a:t>. </a:t>
+            </a:r>
+          </a:p>
+          <a:p>
+            <a:r>
+              <a:rPr lang="ko-KR" altLang="en-US" dirty="0"/>
+              <a:t>이 특정한 숫자 배열을 커널이라고 부른다</a:t>
+            </a:r>
+            <a:r>
+              <a:rPr lang="en-US" altLang="ko-KR" dirty="0"/>
+              <a:t>. </a:t>
+            </a:r>
+          </a:p>
+        </p:txBody>
+      </p:sp>
+      <p:pic>
+        <p:nvPicPr>
+          <p:cNvPr id="1026" name="Picture 2" descr="Blurring an image | Apple Developer Documentation">
+            <a:extLst>
+              <a:ext uri="{FF2B5EF4-FFF2-40B4-BE49-F238E27FC236}">
+                <a16:creationId xmlns:a16="http://schemas.microsoft.com/office/drawing/2014/main" id="{11D447E3-9D46-85ED-587C-70F08089AB8B}"/>
+              </a:ext>
+            </a:extLst>
+          </p:cNvPr>
+          <p:cNvPicPr>
+            <a:picLocks noChangeAspect="1" noChangeArrowheads="1"/>
+          </p:cNvPicPr>
+          <p:nvPr/>
+        </p:nvPicPr>
+        <p:blipFill>
+          <a:blip r:embed="rId2">
+            <a:extLst>
+              <a:ext uri="{28A0092B-C50C-407E-A947-70E740481C1C}">
+                <a14:useLocalDpi xmlns:a14="http://schemas.microsoft.com/office/drawing/2010/main" val="0"/>
+              </a:ext>
+            </a:extLst>
+          </a:blip>
+          <a:srcRect/>
+          <a:stretch>
+            <a:fillRect/>
+          </a:stretch>
+        </p:blipFill>
+        <p:spPr bwMode="auto">
+          <a:xfrm>
+            <a:off x="7018664" y="2218296"/>
+            <a:ext cx="4335136" cy="3173838"/>
+          </a:xfrm>
+          <a:prstGeom prst="rect">
+            <a:avLst/>
+          </a:prstGeom>
+          <a:noFill/>
+          <a:extLst>
+            <a:ext uri="{909E8E84-426E-40DD-AFC4-6F175D3DCCD1}">
+              <a14:hiddenFill xmlns:a14="http://schemas.microsoft.com/office/drawing/2010/main">
+                <a:solidFill>
+                  <a:srgbClr val="FFFFFF"/>
+                </a:solidFill>
+              </a14:hiddenFill>
+            </a:ext>
+          </a:extLst>
+        </p:spPr>
+      </p:pic>
+    </p:spTree>
+    <p:extLst>
+      <p:ext uri="{BB962C8B-B14F-4D97-AF65-F5344CB8AC3E}">
+        <p14:creationId xmlns:p14="http://schemas.microsoft.com/office/powerpoint/2010/main" val="3101059368"/>
+      </p:ext>
+    </p:extLst>
+  </p:cSld>
+  <p:clrMapOvr>
+    <a:masterClrMapping/>
+  </p:clrMapOvr>
+</p:sld>
+</file>
+
+<file path=ppt/slides/slide17.xml><?xml version="1.0" encoding="utf-8"?>
+<p:sld xmlns:a="http://schemas.openxmlformats.org/drawingml/2006/main" xmlns:r="http://schemas.openxmlformats.org/officeDocument/2006/relationships" xmlns:p="http://schemas.openxmlformats.org/presentationml/2006/main">
+  <p:cSld>
+    <p:spTree>
+      <p:nvGrpSpPr>
+        <p:cNvPr id="1" name=""/>
+        <p:cNvGrpSpPr/>
+        <p:nvPr/>
+      </p:nvGrpSpPr>
+      <p:grpSpPr>
+        <a:xfrm>
+          <a:off x="0" y="0"/>
+          <a:ext cx="0" cy="0"/>
+          <a:chOff x="0" y="0"/>
+          <a:chExt cx="0" cy="0"/>
+        </a:xfrm>
+      </p:grpSpPr>
+      <p:sp>
+        <p:nvSpPr>
+          <p:cNvPr id="2" name="제목 1">
+            <a:extLst>
+              <a:ext uri="{FF2B5EF4-FFF2-40B4-BE49-F238E27FC236}">
+                <a16:creationId xmlns:a16="http://schemas.microsoft.com/office/drawing/2014/main" id="{83F92276-F981-BE87-F986-7B65B488FD24}"/>
+              </a:ext>
+            </a:extLst>
+          </p:cNvPr>
+          <p:cNvSpPr>
+            <a:spLocks noGrp="1"/>
+          </p:cNvSpPr>
+          <p:nvPr>
+            <p:ph type="title"/>
+          </p:nvPr>
+        </p:nvSpPr>
+        <p:spPr/>
+        <p:txBody>
+          <a:bodyPr/>
+          <a:lstStyle/>
+          <a:p>
+            <a:r>
+              <a:rPr lang="ko-KR" altLang="en-US" dirty="0" err="1"/>
+              <a:t>컨볼루션을</a:t>
+            </a:r>
+            <a:r>
+              <a:rPr lang="ko-KR" altLang="en-US" dirty="0"/>
+              <a:t> 사용해서 신경망의 성능 높이기 </a:t>
+            </a:r>
+          </a:p>
+        </p:txBody>
+      </p:sp>
+      <p:sp>
+        <p:nvSpPr>
+          <p:cNvPr id="3" name="텍스트 개체 틀 2">
+            <a:extLst>
+              <a:ext uri="{FF2B5EF4-FFF2-40B4-BE49-F238E27FC236}">
+                <a16:creationId xmlns:a16="http://schemas.microsoft.com/office/drawing/2014/main" id="{A2386A88-6109-D00A-5E75-D449476A3677}"/>
+              </a:ext>
+            </a:extLst>
+          </p:cNvPr>
+          <p:cNvSpPr>
+            <a:spLocks noGrp="1"/>
+          </p:cNvSpPr>
+          <p:nvPr>
+            <p:ph type="body" idx="1"/>
+          </p:nvPr>
+        </p:nvSpPr>
+        <p:spPr>
+          <a:xfrm>
+            <a:off x="838200" y="2960016"/>
+            <a:ext cx="10515600" cy="3216947"/>
+          </a:xfrm>
+        </p:spPr>
+        <p:txBody>
+          <a:bodyPr/>
+          <a:lstStyle/>
+          <a:p>
+            <a:r>
+              <a:rPr lang="ko-KR" altLang="en-US" dirty="0"/>
+              <a:t>위 조건을 만족하기 위해서 주로</a:t>
+            </a:r>
+            <a:r>
+              <a:rPr lang="en-US" altLang="ko-KR" dirty="0"/>
+              <a:t>, </a:t>
+            </a:r>
+            <a:r>
+              <a:rPr lang="ko-KR" altLang="en-US" dirty="0"/>
+              <a:t>이미지의 특성을 유지하면서</a:t>
+            </a:r>
+            <a:r>
+              <a:rPr lang="en-US" altLang="ko-KR" dirty="0"/>
+              <a:t>, </a:t>
+            </a:r>
+            <a:r>
+              <a:rPr lang="ko-KR" altLang="en-US" dirty="0"/>
+              <a:t>이미지를 단순화하는 방법을 사용한다</a:t>
+            </a:r>
+            <a:r>
+              <a:rPr lang="en-US" altLang="ko-KR" dirty="0"/>
+              <a:t>. </a:t>
+            </a:r>
+          </a:p>
+          <a:p>
+            <a:pPr marL="76200" indent="0">
+              <a:buNone/>
+            </a:pPr>
+            <a:r>
+              <a:rPr lang="en-US" altLang="ko-KR" sz="2400" u="sng" dirty="0">
+                <a:solidFill>
+                  <a:schemeClr val="hlink"/>
+                </a:solidFill>
+                <a:hlinkClick r:id="rId2"/>
+              </a:rPr>
+              <a:t>https://thumbs.gfycat.com/SmoggyLittleFlickertailsquirrel-mobile.mp4</a:t>
+            </a:r>
+            <a:endParaRPr lang="en-US" altLang="ko-KR" sz="2400" dirty="0">
+              <a:solidFill>
+                <a:schemeClr val="dk1"/>
+              </a:solidFill>
+            </a:endParaRPr>
+          </a:p>
+          <a:p>
+            <a:pPr marL="76200" indent="0">
+              <a:buNone/>
+            </a:pPr>
+            <a:endParaRPr lang="en-US" altLang="ko-KR" dirty="0"/>
+          </a:p>
+        </p:txBody>
+      </p:sp>
+      <p:sp>
+        <p:nvSpPr>
+          <p:cNvPr id="4" name="TextBox 3">
+            <a:extLst>
+              <a:ext uri="{FF2B5EF4-FFF2-40B4-BE49-F238E27FC236}">
+                <a16:creationId xmlns:a16="http://schemas.microsoft.com/office/drawing/2014/main" id="{5D513EE0-D705-B899-D975-0B1FC076F916}"/>
+              </a:ext>
+            </a:extLst>
+          </p:cNvPr>
+          <p:cNvSpPr txBox="1"/>
+          <p:nvPr/>
+        </p:nvSpPr>
+        <p:spPr>
+          <a:xfrm>
+            <a:off x="838200" y="1866507"/>
+            <a:ext cx="7378943" cy="707886"/>
+          </a:xfrm>
+          <a:prstGeom prst="rect">
+            <a:avLst/>
+          </a:prstGeom>
+          <a:noFill/>
+        </p:spPr>
+        <p:txBody>
+          <a:bodyPr wrap="none" rtlCol="0">
+            <a:spAutoFit/>
+          </a:bodyPr>
+          <a:lstStyle/>
+          <a:p>
+            <a:pPr marL="285750" lvl="1" indent="-285750">
+              <a:buFont typeface="Arial" panose="020B0604020202020204" pitchFamily="34" charset="0"/>
+              <a:buChar char="•"/>
+            </a:pPr>
+            <a:r>
+              <a:rPr lang="en-US" altLang="ko-KR" sz="2000" b="1" dirty="0" err="1"/>
+              <a:t>Flatterning</a:t>
+            </a:r>
+            <a:r>
+              <a:rPr lang="ko-KR" altLang="en-US" sz="2000" b="1" dirty="0"/>
+              <a:t>을 해도 정보가 상실되지 않도록 하기 </a:t>
+            </a:r>
+            <a:endParaRPr lang="en-US" altLang="ko-KR" sz="2000" b="1" dirty="0"/>
+          </a:p>
+          <a:p>
+            <a:pPr marL="285750" lvl="1" indent="-285750">
+              <a:buFont typeface="Arial" panose="020B0604020202020204" pitchFamily="34" charset="0"/>
+              <a:buChar char="•"/>
+            </a:pPr>
+            <a:r>
+              <a:rPr lang="ko-KR" altLang="en-US" sz="2000" b="1" dirty="0"/>
+              <a:t>같은 라벨의 이미지들은 모두 같은 특성을 가지도록 처리하기</a:t>
+            </a:r>
+          </a:p>
+        </p:txBody>
+      </p:sp>
+    </p:spTree>
+    <p:extLst>
+      <p:ext uri="{BB962C8B-B14F-4D97-AF65-F5344CB8AC3E}">
+        <p14:creationId xmlns:p14="http://schemas.microsoft.com/office/powerpoint/2010/main" val="418754551"/>
+      </p:ext>
+    </p:extLst>
+  </p:cSld>
+  <p:clrMapOvr>
+    <a:masterClrMapping/>
+  </p:clrMapOvr>
+</p:sld>
+</file>
+
+<file path=ppt/slides/slide18.xml><?xml version="1.0" encoding="utf-8"?>
+<p:sld xmlns:a="http://schemas.openxmlformats.org/drawingml/2006/main" xmlns:r="http://schemas.openxmlformats.org/officeDocument/2006/relationships" xmlns:p="http://schemas.openxmlformats.org/presentationml/2006/main">
+  <p:cSld>
+    <p:spTree>
+      <p:nvGrpSpPr>
+        <p:cNvPr id="1" name=""/>
+        <p:cNvGrpSpPr/>
+        <p:nvPr/>
+      </p:nvGrpSpPr>
+      <p:grpSpPr>
+        <a:xfrm>
+          <a:off x="0" y="0"/>
+          <a:ext cx="0" cy="0"/>
+          <a:chOff x="0" y="0"/>
+          <a:chExt cx="0" cy="0"/>
+        </a:xfrm>
+      </p:grpSpPr>
+      <p:sp>
+        <p:nvSpPr>
+          <p:cNvPr id="2" name="제목 1">
+            <a:extLst>
+              <a:ext uri="{FF2B5EF4-FFF2-40B4-BE49-F238E27FC236}">
+                <a16:creationId xmlns:a16="http://schemas.microsoft.com/office/drawing/2014/main" id="{FBC86BC4-75AA-6467-5642-7A32D5FC9B15}"/>
+              </a:ext>
+            </a:extLst>
+          </p:cNvPr>
+          <p:cNvSpPr>
+            <a:spLocks noGrp="1"/>
+          </p:cNvSpPr>
+          <p:nvPr>
+            <p:ph type="title"/>
+          </p:nvPr>
+        </p:nvSpPr>
+        <p:spPr/>
+        <p:txBody>
+          <a:bodyPr/>
+          <a:lstStyle/>
+          <a:p>
+            <a:r>
+              <a:rPr lang="ko-KR" altLang="en-US" dirty="0" err="1"/>
+              <a:t>컨볼루션을</a:t>
+            </a:r>
+            <a:r>
+              <a:rPr lang="ko-KR" altLang="en-US" dirty="0"/>
+              <a:t> 사용해서 신경망의 성능 높이기 </a:t>
+            </a:r>
+          </a:p>
+        </p:txBody>
+      </p:sp>
+      <p:sp>
+        <p:nvSpPr>
+          <p:cNvPr id="3" name="텍스트 개체 틀 2">
+            <a:extLst>
+              <a:ext uri="{FF2B5EF4-FFF2-40B4-BE49-F238E27FC236}">
+                <a16:creationId xmlns:a16="http://schemas.microsoft.com/office/drawing/2014/main" id="{63CF8465-4DB0-2EE8-37BE-0EA55D861291}"/>
+              </a:ext>
+            </a:extLst>
+          </p:cNvPr>
+          <p:cNvSpPr>
+            <a:spLocks noGrp="1"/>
+          </p:cNvSpPr>
+          <p:nvPr>
+            <p:ph type="body" idx="1"/>
+          </p:nvPr>
+        </p:nvSpPr>
+        <p:spPr>
+          <a:xfrm>
+            <a:off x="838200" y="1825625"/>
+            <a:ext cx="5072406" cy="4351338"/>
+          </a:xfrm>
+        </p:spPr>
+        <p:txBody>
+          <a:bodyPr/>
+          <a:lstStyle/>
+          <a:p>
+            <a:r>
+              <a:rPr lang="en-US" altLang="ko-KR" dirty="0"/>
+              <a:t>MNIST </a:t>
+            </a:r>
+            <a:r>
+              <a:rPr lang="ko-KR" altLang="en-US" dirty="0"/>
+              <a:t>데이터 </a:t>
+            </a:r>
+            <a:r>
+              <a:rPr lang="en-US" altLang="ko-KR" dirty="0"/>
+              <a:t>‘9’</a:t>
+            </a:r>
+            <a:r>
+              <a:rPr lang="ko-KR" altLang="en-US" dirty="0"/>
+              <a:t>이미지를 분류하기 전</a:t>
+            </a:r>
+            <a:r>
+              <a:rPr lang="en-US" altLang="ko-KR" dirty="0"/>
+              <a:t>,</a:t>
+            </a:r>
+            <a:r>
+              <a:rPr lang="ko-KR" altLang="en-US" dirty="0"/>
+              <a:t> </a:t>
+            </a:r>
+            <a:r>
+              <a:rPr lang="ko-KR" altLang="en-US" dirty="0" err="1"/>
+              <a:t>컨볼루션</a:t>
+            </a:r>
+            <a:r>
+              <a:rPr lang="ko-KR" altLang="en-US" dirty="0"/>
+              <a:t> 처리를 </a:t>
+            </a:r>
+            <a:r>
+              <a:rPr lang="en-US" altLang="ko-KR" dirty="0"/>
+              <a:t>3</a:t>
+            </a:r>
+            <a:r>
+              <a:rPr lang="ko-KR" altLang="en-US" dirty="0"/>
+              <a:t>번 적용함 </a:t>
+            </a:r>
+            <a:endParaRPr lang="en-US" altLang="ko-KR" dirty="0"/>
+          </a:p>
+          <a:p>
+            <a:r>
+              <a:rPr lang="ko-KR" altLang="en-US" dirty="0" err="1"/>
+              <a:t>컨볼루션이</a:t>
+            </a:r>
+            <a:r>
+              <a:rPr lang="ko-KR" altLang="en-US" dirty="0"/>
+              <a:t> 적용될 수록 이미지가 단순화 된다</a:t>
+            </a:r>
+            <a:r>
+              <a:rPr lang="en-US" altLang="ko-KR" dirty="0"/>
+              <a:t>. </a:t>
+            </a:r>
+          </a:p>
+          <a:p>
+            <a:r>
+              <a:rPr lang="ko-KR" altLang="en-US" dirty="0"/>
+              <a:t>하지만 이미지의 특성은 상실되지 않는다고 한다</a:t>
+            </a:r>
+            <a:r>
+              <a:rPr lang="en-US" altLang="ko-KR" dirty="0"/>
+              <a:t>. </a:t>
+            </a:r>
+          </a:p>
+          <a:p>
+            <a:r>
+              <a:rPr lang="ko-KR" altLang="en-US" dirty="0"/>
+              <a:t>마지막 </a:t>
+            </a:r>
+            <a:r>
+              <a:rPr lang="en-US" altLang="ko-KR" dirty="0"/>
+              <a:t>Dense </a:t>
+            </a:r>
+            <a:r>
+              <a:rPr lang="ko-KR" altLang="en-US" dirty="0"/>
+              <a:t>레이어 </a:t>
+            </a:r>
+            <a:r>
+              <a:rPr lang="en-US" altLang="ko-KR" dirty="0"/>
+              <a:t>(</a:t>
+            </a:r>
+            <a:r>
+              <a:rPr lang="ko-KR" altLang="en-US" dirty="0"/>
+              <a:t>기존 </a:t>
+            </a:r>
+            <a:r>
+              <a:rPr lang="en-US" altLang="ko-KR" dirty="0"/>
+              <a:t>NN)</a:t>
+            </a:r>
+            <a:r>
+              <a:rPr lang="ko-KR" altLang="en-US" dirty="0"/>
+              <a:t>에 입력되기 직전에는 극단적으로 단순화 되어 </a:t>
+            </a:r>
+            <a:r>
+              <a:rPr lang="en-US" altLang="ko-KR" dirty="0"/>
+              <a:t>NN</a:t>
+            </a:r>
+            <a:r>
+              <a:rPr lang="ko-KR" altLang="en-US" dirty="0"/>
+              <a:t>에 입력할 수 있을 정도가 된다</a:t>
+            </a:r>
+            <a:r>
+              <a:rPr lang="en-US" altLang="ko-KR" dirty="0"/>
+              <a:t>. </a:t>
+            </a:r>
+            <a:endParaRPr lang="ko-KR" altLang="en-US" dirty="0"/>
+          </a:p>
+        </p:txBody>
+      </p:sp>
+      <p:pic>
+        <p:nvPicPr>
+          <p:cNvPr id="5" name="그림 4">
+            <a:extLst>
+              <a:ext uri="{FF2B5EF4-FFF2-40B4-BE49-F238E27FC236}">
+                <a16:creationId xmlns:a16="http://schemas.microsoft.com/office/drawing/2014/main" id="{DBB50F77-4A7B-1F3D-8611-4CFCC3DC674E}"/>
+              </a:ext>
+            </a:extLst>
+          </p:cNvPr>
+          <p:cNvPicPr>
+            <a:picLocks noChangeAspect="1"/>
+          </p:cNvPicPr>
+          <p:nvPr/>
+        </p:nvPicPr>
+        <p:blipFill>
+          <a:blip r:embed="rId2"/>
+          <a:stretch>
+            <a:fillRect/>
+          </a:stretch>
+        </p:blipFill>
+        <p:spPr>
+          <a:xfrm>
+            <a:off x="5910606" y="2323412"/>
+            <a:ext cx="5847755" cy="3549488"/>
+          </a:xfrm>
+          <a:prstGeom prst="rect">
+            <a:avLst/>
+          </a:prstGeom>
+        </p:spPr>
+      </p:pic>
+    </p:spTree>
+    <p:extLst>
+      <p:ext uri="{BB962C8B-B14F-4D97-AF65-F5344CB8AC3E}">
+        <p14:creationId xmlns:p14="http://schemas.microsoft.com/office/powerpoint/2010/main" val="1558986477"/>
+      </p:ext>
+    </p:extLst>
+  </p:cSld>
+  <p:clrMapOvr>
+    <a:masterClrMapping/>
+  </p:clrMapOvr>
+</p:sld>
+</file>
+
 <file path=ppt/slides/slide2.xml><?xml version="1.0" encoding="utf-8"?>
 <p:sld xmlns:a="http://schemas.openxmlformats.org/drawingml/2006/main" xmlns:r="http://schemas.openxmlformats.org/officeDocument/2006/relationships" xmlns:p="http://schemas.openxmlformats.org/presentationml/2006/main">
   <p:cSld>
